--- a/SlidesPresentation.pptx
+++ b/SlidesPresentation.pptx
@@ -8,6 +8,10 @@
     <p:sldId id="256" r:id="rId2"/>
     <p:sldId id="257" r:id="rId3"/>
     <p:sldId id="258" r:id="rId4"/>
+    <p:sldId id="259" r:id="rId5"/>
+    <p:sldId id="260" r:id="rId6"/>
+    <p:sldId id="261" r:id="rId7"/>
+    <p:sldId id="262" r:id="rId8"/>
   </p:sldIdLst>
   <p:sldSz cx="12192000" cy="6858000"/>
   <p:notesSz cx="6858000" cy="9144000"/>
@@ -6178,15 +6182,29 @@
           </a:p>
           <a:p>
             <a:r>
-              <a:rPr lang="en-US"/>
-              <a:t>Retransmission </a:t>
-            </a:r>
-          </a:p>
-          <a:p>
-            <a:r>
-              <a:rPr lang="en-US"/>
-              <a:t>  </a:t>
-            </a:r>
+              <a:rPr lang="en-US" dirty="0"/>
+              <a:t>Messages Retransmission</a:t>
+            </a:r>
+          </a:p>
+          <a:p>
+            <a:r>
+              <a:rPr lang="en-US" dirty="0"/>
+              <a:t>Server’s Crash Handling </a:t>
+            </a:r>
+          </a:p>
+          <a:p>
+            <a:r>
+              <a:rPr lang="en-US" dirty="0"/>
+              <a:t>Data Storage in Json file </a:t>
+            </a:r>
+          </a:p>
+          <a:p>
+            <a:r>
+              <a:rPr lang="en-US" dirty="0"/>
+              <a:t>Vector Clocks for causal delivery </a:t>
+            </a:r>
+          </a:p>
+          <a:p>
             <a:endParaRPr lang="en-US" dirty="0"/>
           </a:p>
           <a:p>
@@ -6198,6 +6216,1358 @@
     <p:extLst>
       <p:ext uri="{BB962C8B-B14F-4D97-AF65-F5344CB8AC3E}">
         <p14:creationId xmlns:p14="http://schemas.microsoft.com/office/powerpoint/2010/main" val="1953331676"/>
+      </p:ext>
+    </p:extLst>
+  </p:cSld>
+  <p:clrMapOvr>
+    <a:masterClrMapping/>
+  </p:clrMapOvr>
+</p:sld>
+</file>
+
+<file path=ppt/slides/slide4.xml><?xml version="1.0" encoding="utf-8"?>
+<p:sld xmlns:a="http://schemas.openxmlformats.org/drawingml/2006/main" xmlns:r="http://schemas.openxmlformats.org/officeDocument/2006/relationships" xmlns:p="http://schemas.openxmlformats.org/presentationml/2006/main">
+  <p:cSld>
+    <p:spTree>
+      <p:nvGrpSpPr>
+        <p:cNvPr id="1" name=""/>
+        <p:cNvGrpSpPr/>
+        <p:nvPr/>
+      </p:nvGrpSpPr>
+      <p:grpSpPr>
+        <a:xfrm>
+          <a:off x="0" y="0"/>
+          <a:ext cx="0" cy="0"/>
+          <a:chOff x="0" y="0"/>
+          <a:chExt cx="0" cy="0"/>
+        </a:xfrm>
+      </p:grpSpPr>
+      <p:sp>
+        <p:nvSpPr>
+          <p:cNvPr id="2" name="Titolo 1">
+            <a:extLst>
+              <a:ext uri="{FF2B5EF4-FFF2-40B4-BE49-F238E27FC236}">
+                <a16:creationId xmlns:a16="http://schemas.microsoft.com/office/drawing/2014/main" id="{97B1DAFF-8F9A-4B83-9F2A-279D9E2002D3}"/>
+              </a:ext>
+            </a:extLst>
+          </p:cNvPr>
+          <p:cNvSpPr>
+            <a:spLocks noGrp="1"/>
+          </p:cNvSpPr>
+          <p:nvPr>
+            <p:ph type="title"/>
+          </p:nvPr>
+        </p:nvSpPr>
+        <p:spPr/>
+        <p:txBody>
+          <a:bodyPr/>
+          <a:lstStyle/>
+          <a:p>
+            <a:r>
+              <a:rPr lang="it-IT" dirty="0" err="1"/>
+              <a:t>Connections</a:t>
+            </a:r>
+            <a:r>
+              <a:rPr lang="it-IT" dirty="0"/>
+              <a:t> </a:t>
+            </a:r>
+          </a:p>
+        </p:txBody>
+      </p:sp>
+      <p:sp>
+        <p:nvSpPr>
+          <p:cNvPr id="3" name="Segnaposto contenuto 2">
+            <a:extLst>
+              <a:ext uri="{FF2B5EF4-FFF2-40B4-BE49-F238E27FC236}">
+                <a16:creationId xmlns:a16="http://schemas.microsoft.com/office/drawing/2014/main" id="{074BAE6A-DB7B-42F6-A46A-A4F6070C4191}"/>
+              </a:ext>
+            </a:extLst>
+          </p:cNvPr>
+          <p:cNvSpPr>
+            <a:spLocks noGrp="1"/>
+          </p:cNvSpPr>
+          <p:nvPr>
+            <p:ph idx="1"/>
+          </p:nvPr>
+        </p:nvSpPr>
+        <p:spPr/>
+        <p:txBody>
+          <a:bodyPr/>
+          <a:lstStyle/>
+          <a:p>
+            <a:r>
+              <a:rPr lang="it-IT" dirty="0"/>
+              <a:t>Client-Server Connection : Server </a:t>
+            </a:r>
+            <a:r>
+              <a:rPr lang="it-IT" dirty="0" err="1"/>
+              <a:t>Socket</a:t>
+            </a:r>
+            <a:r>
+              <a:rPr lang="it-IT" dirty="0"/>
+              <a:t> </a:t>
+            </a:r>
+          </a:p>
+          <a:p>
+            <a:pPr lvl="1">
+              <a:buFont typeface="Wingdings" panose="05000000000000000000" pitchFamily="2" charset="2"/>
+              <a:buChar char="Ø"/>
+            </a:pPr>
+            <a:r>
+              <a:rPr lang="it-IT" dirty="0"/>
+              <a:t>TCP connection </a:t>
+            </a:r>
+          </a:p>
+          <a:p>
+            <a:pPr lvl="1">
+              <a:buFont typeface="Wingdings" panose="05000000000000000000" pitchFamily="2" charset="2"/>
+              <a:buChar char="Ø"/>
+            </a:pPr>
+            <a:r>
+              <a:rPr lang="it-IT" dirty="0" err="1"/>
+              <a:t>Point-to-point</a:t>
+            </a:r>
+            <a:r>
+              <a:rPr lang="it-IT" dirty="0"/>
+              <a:t> </a:t>
+            </a:r>
+          </a:p>
+          <a:p>
+            <a:pPr lvl="1">
+              <a:buFont typeface="Wingdings" panose="05000000000000000000" pitchFamily="2" charset="2"/>
+              <a:buChar char="Ø"/>
+            </a:pPr>
+            <a:r>
+              <a:rPr lang="it-IT" dirty="0" err="1"/>
+              <a:t>Reliable</a:t>
+            </a:r>
+            <a:r>
+              <a:rPr lang="it-IT" dirty="0"/>
+              <a:t> </a:t>
+            </a:r>
+          </a:p>
+          <a:p>
+            <a:r>
+              <a:rPr lang="it-IT" dirty="0"/>
+              <a:t>Multicast connection : Multicast </a:t>
+            </a:r>
+            <a:r>
+              <a:rPr lang="it-IT" dirty="0" err="1"/>
+              <a:t>Socket</a:t>
+            </a:r>
+            <a:r>
+              <a:rPr lang="it-IT" dirty="0"/>
+              <a:t> </a:t>
+            </a:r>
+          </a:p>
+          <a:p>
+            <a:pPr lvl="1">
+              <a:buFont typeface="Wingdings" panose="05000000000000000000" pitchFamily="2" charset="2"/>
+              <a:buChar char="Ø"/>
+            </a:pPr>
+            <a:r>
+              <a:rPr lang="it-IT" dirty="0"/>
+              <a:t>UDP </a:t>
+            </a:r>
+            <a:r>
+              <a:rPr lang="it-IT" dirty="0" err="1"/>
+              <a:t>DatagramSocket</a:t>
+            </a:r>
+            <a:endParaRPr lang="it-IT" dirty="0"/>
+          </a:p>
+          <a:p>
+            <a:pPr lvl="1">
+              <a:buFont typeface="Wingdings" panose="05000000000000000000" pitchFamily="2" charset="2"/>
+              <a:buChar char="Ø"/>
+            </a:pPr>
+            <a:r>
+              <a:rPr lang="it-IT" dirty="0"/>
+              <a:t>Broadcasting </a:t>
+            </a:r>
+          </a:p>
+          <a:p>
+            <a:pPr lvl="1">
+              <a:buFont typeface="Wingdings" panose="05000000000000000000" pitchFamily="2" charset="2"/>
+              <a:buChar char="Ø"/>
+            </a:pPr>
+            <a:r>
+              <a:rPr lang="it-IT" dirty="0" err="1"/>
+              <a:t>Unreliable</a:t>
+            </a:r>
+            <a:r>
+              <a:rPr lang="it-IT" dirty="0"/>
+              <a:t> </a:t>
+            </a:r>
+          </a:p>
+        </p:txBody>
+      </p:sp>
+    </p:spTree>
+    <p:extLst>
+      <p:ext uri="{BB962C8B-B14F-4D97-AF65-F5344CB8AC3E}">
+        <p14:creationId xmlns:p14="http://schemas.microsoft.com/office/powerpoint/2010/main" val="3039669143"/>
+      </p:ext>
+    </p:extLst>
+  </p:cSld>
+  <p:clrMapOvr>
+    <a:masterClrMapping/>
+  </p:clrMapOvr>
+</p:sld>
+</file>
+
+<file path=ppt/slides/slide5.xml><?xml version="1.0" encoding="utf-8"?>
+<p:sld xmlns:a="http://schemas.openxmlformats.org/drawingml/2006/main" xmlns:r="http://schemas.openxmlformats.org/officeDocument/2006/relationships" xmlns:p="http://schemas.openxmlformats.org/presentationml/2006/main">
+  <p:cSld>
+    <p:spTree>
+      <p:nvGrpSpPr>
+        <p:cNvPr id="1" name=""/>
+        <p:cNvGrpSpPr/>
+        <p:nvPr/>
+      </p:nvGrpSpPr>
+      <p:grpSpPr>
+        <a:xfrm>
+          <a:off x="0" y="0"/>
+          <a:ext cx="0" cy="0"/>
+          <a:chOff x="0" y="0"/>
+          <a:chExt cx="0" cy="0"/>
+        </a:xfrm>
+      </p:grpSpPr>
+      <p:sp>
+        <p:nvSpPr>
+          <p:cNvPr id="2" name="Titolo 1">
+            <a:extLst>
+              <a:ext uri="{FF2B5EF4-FFF2-40B4-BE49-F238E27FC236}">
+                <a16:creationId xmlns:a16="http://schemas.microsoft.com/office/drawing/2014/main" id="{8D497BE2-946A-4538-B082-EB4FE4E07A3E}"/>
+              </a:ext>
+            </a:extLst>
+          </p:cNvPr>
+          <p:cNvSpPr>
+            <a:spLocks noGrp="1"/>
+          </p:cNvSpPr>
+          <p:nvPr>
+            <p:ph type="title"/>
+          </p:nvPr>
+        </p:nvSpPr>
+        <p:spPr/>
+        <p:txBody>
+          <a:bodyPr/>
+          <a:lstStyle/>
+          <a:p>
+            <a:r>
+              <a:rPr lang="it-IT" dirty="0"/>
+              <a:t>Join Handling </a:t>
+            </a:r>
+          </a:p>
+        </p:txBody>
+      </p:sp>
+      <p:sp>
+        <p:nvSpPr>
+          <p:cNvPr id="3" name="Segnaposto contenuto 2">
+            <a:extLst>
+              <a:ext uri="{FF2B5EF4-FFF2-40B4-BE49-F238E27FC236}">
+                <a16:creationId xmlns:a16="http://schemas.microsoft.com/office/drawing/2014/main" id="{154BA49D-5235-456A-B663-0F9D0086ACAC}"/>
+              </a:ext>
+            </a:extLst>
+          </p:cNvPr>
+          <p:cNvSpPr>
+            <a:spLocks noGrp="1"/>
+          </p:cNvSpPr>
+          <p:nvPr>
+            <p:ph idx="1"/>
+          </p:nvPr>
+        </p:nvSpPr>
+        <p:spPr/>
+        <p:txBody>
+          <a:bodyPr/>
+          <a:lstStyle/>
+          <a:p>
+            <a:r>
+              <a:rPr lang="it-IT" dirty="0"/>
+              <a:t>Create a new group or Join in a </a:t>
+            </a:r>
+            <a:r>
+              <a:rPr lang="it-IT" dirty="0" err="1"/>
+              <a:t>stated</a:t>
+            </a:r>
+            <a:r>
+              <a:rPr lang="it-IT" dirty="0"/>
+              <a:t> one (</a:t>
+            </a:r>
+            <a:r>
+              <a:rPr lang="it-IT" dirty="0" err="1"/>
+              <a:t>through</a:t>
+            </a:r>
+            <a:r>
+              <a:rPr lang="it-IT" dirty="0"/>
+              <a:t> a group IP)</a:t>
+            </a:r>
+          </a:p>
+          <a:p>
+            <a:r>
+              <a:rPr lang="it-IT" dirty="0"/>
+              <a:t>In case of join: Join/</a:t>
+            </a:r>
+            <a:r>
+              <a:rPr lang="it-IT" dirty="0" err="1"/>
+              <a:t>AckJoin</a:t>
+            </a:r>
+            <a:r>
+              <a:rPr lang="it-IT" dirty="0"/>
+              <a:t> </a:t>
+            </a:r>
+            <a:r>
+              <a:rPr lang="it-IT" dirty="0" err="1"/>
+              <a:t>Messages</a:t>
+            </a:r>
+            <a:endParaRPr lang="it-IT" dirty="0"/>
+          </a:p>
+          <a:p>
+            <a:pPr lvl="1">
+              <a:buFont typeface="Wingdings" panose="05000000000000000000" pitchFamily="2" charset="2"/>
+              <a:buChar char="Ø"/>
+            </a:pPr>
+            <a:r>
+              <a:rPr lang="it-IT" dirty="0"/>
+              <a:t>Server </a:t>
+            </a:r>
+            <a:r>
+              <a:rPr lang="it-IT" dirty="0" err="1"/>
+              <a:t>Receives</a:t>
+            </a:r>
+            <a:r>
+              <a:rPr lang="it-IT" dirty="0"/>
+              <a:t>: </a:t>
+            </a:r>
+            <a:r>
+              <a:rPr lang="it-IT" dirty="0" err="1"/>
+              <a:t>number</a:t>
+            </a:r>
+            <a:r>
+              <a:rPr lang="it-IT" dirty="0"/>
+              <a:t> of </a:t>
+            </a:r>
+            <a:r>
+              <a:rPr lang="it-IT" dirty="0" err="1"/>
+              <a:t>servers</a:t>
+            </a:r>
+            <a:r>
+              <a:rPr lang="it-IT" dirty="0"/>
+              <a:t> and data storage </a:t>
+            </a:r>
+          </a:p>
+          <a:p>
+            <a:pPr lvl="1">
+              <a:buFont typeface="Wingdings" panose="05000000000000000000" pitchFamily="2" charset="2"/>
+              <a:buChar char="Ø"/>
+            </a:pPr>
+            <a:r>
+              <a:rPr lang="it-IT" dirty="0"/>
+              <a:t>Waits </a:t>
+            </a:r>
+            <a:r>
+              <a:rPr lang="it-IT" dirty="0" err="1"/>
+              <a:t>all</a:t>
+            </a:r>
+            <a:r>
+              <a:rPr lang="it-IT" dirty="0"/>
+              <a:t> the </a:t>
+            </a:r>
+            <a:r>
+              <a:rPr lang="it-IT" dirty="0" err="1"/>
+              <a:t>acks</a:t>
+            </a:r>
+            <a:r>
+              <a:rPr lang="it-IT" dirty="0"/>
+              <a:t>: </a:t>
+            </a:r>
+            <a:r>
+              <a:rPr lang="it-IT" dirty="0" err="1"/>
+              <a:t>sure</a:t>
+            </a:r>
+            <a:r>
+              <a:rPr lang="it-IT" dirty="0"/>
+              <a:t> </a:t>
+            </a:r>
+            <a:r>
+              <a:rPr lang="it-IT" dirty="0" err="1"/>
+              <a:t>every</a:t>
+            </a:r>
+            <a:r>
+              <a:rPr lang="it-IT" dirty="0"/>
+              <a:t> server </a:t>
+            </a:r>
+            <a:r>
+              <a:rPr lang="it-IT" dirty="0" err="1"/>
+              <a:t>aware</a:t>
+            </a:r>
+            <a:r>
+              <a:rPr lang="it-IT" dirty="0"/>
+              <a:t> of the join</a:t>
+            </a:r>
+          </a:p>
+          <a:p>
+            <a:pPr lvl="1">
+              <a:buFont typeface="Wingdings" panose="05000000000000000000" pitchFamily="2" charset="2"/>
+              <a:buChar char="Ø"/>
+            </a:pPr>
+            <a:r>
+              <a:rPr lang="it-IT" dirty="0" err="1"/>
+              <a:t>Otherwise</a:t>
+            </a:r>
+            <a:r>
+              <a:rPr lang="it-IT" dirty="0"/>
+              <a:t> </a:t>
+            </a:r>
+            <a:r>
+              <a:rPr lang="it-IT" dirty="0" err="1"/>
+              <a:t>retransmission</a:t>
+            </a:r>
+            <a:r>
+              <a:rPr lang="it-IT" dirty="0"/>
+              <a:t> </a:t>
+            </a:r>
+          </a:p>
+          <a:p>
+            <a:endParaRPr lang="it-IT" dirty="0"/>
+          </a:p>
+        </p:txBody>
+      </p:sp>
+    </p:spTree>
+    <p:extLst>
+      <p:ext uri="{BB962C8B-B14F-4D97-AF65-F5344CB8AC3E}">
+        <p14:creationId xmlns:p14="http://schemas.microsoft.com/office/powerpoint/2010/main" val="3622497913"/>
+      </p:ext>
+    </p:extLst>
+  </p:cSld>
+  <p:clrMapOvr>
+    <a:masterClrMapping/>
+  </p:clrMapOvr>
+</p:sld>
+</file>
+
+<file path=ppt/slides/slide6.xml><?xml version="1.0" encoding="utf-8"?>
+<p:sld xmlns:a="http://schemas.openxmlformats.org/drawingml/2006/main" xmlns:r="http://schemas.openxmlformats.org/officeDocument/2006/relationships" xmlns:p="http://schemas.openxmlformats.org/presentationml/2006/main">
+  <p:cSld>
+    <p:spTree>
+      <p:nvGrpSpPr>
+        <p:cNvPr id="1" name=""/>
+        <p:cNvGrpSpPr/>
+        <p:nvPr/>
+      </p:nvGrpSpPr>
+      <p:grpSpPr>
+        <a:xfrm>
+          <a:off x="0" y="0"/>
+          <a:ext cx="0" cy="0"/>
+          <a:chOff x="0" y="0"/>
+          <a:chExt cx="0" cy="0"/>
+        </a:xfrm>
+      </p:grpSpPr>
+      <p:sp>
+        <p:nvSpPr>
+          <p:cNvPr id="2" name="Titolo 1">
+            <a:extLst>
+              <a:ext uri="{FF2B5EF4-FFF2-40B4-BE49-F238E27FC236}">
+                <a16:creationId xmlns:a16="http://schemas.microsoft.com/office/drawing/2014/main" id="{DFF7A161-63CC-481B-97FE-F5AA616F0DB3}"/>
+              </a:ext>
+            </a:extLst>
+          </p:cNvPr>
+          <p:cNvSpPr>
+            <a:spLocks noGrp="1"/>
+          </p:cNvSpPr>
+          <p:nvPr>
+            <p:ph type="title"/>
+          </p:nvPr>
+        </p:nvSpPr>
+        <p:spPr/>
+        <p:txBody>
+          <a:bodyPr/>
+          <a:lstStyle/>
+          <a:p>
+            <a:r>
+              <a:rPr lang="it-IT" dirty="0" err="1"/>
+              <a:t>Messages</a:t>
+            </a:r>
+            <a:r>
+              <a:rPr lang="it-IT" dirty="0"/>
+              <a:t> </a:t>
+            </a:r>
+            <a:r>
+              <a:rPr lang="it-IT" dirty="0" err="1"/>
+              <a:t>Retransmission</a:t>
+            </a:r>
+            <a:r>
+              <a:rPr lang="it-IT" dirty="0"/>
+              <a:t> </a:t>
+            </a:r>
+          </a:p>
+        </p:txBody>
+      </p:sp>
+      <p:sp>
+        <p:nvSpPr>
+          <p:cNvPr id="3" name="Segnaposto contenuto 2">
+            <a:extLst>
+              <a:ext uri="{FF2B5EF4-FFF2-40B4-BE49-F238E27FC236}">
+                <a16:creationId xmlns:a16="http://schemas.microsoft.com/office/drawing/2014/main" id="{9554B290-8FD2-4414-A545-F2E0EBF599B7}"/>
+              </a:ext>
+            </a:extLst>
+          </p:cNvPr>
+          <p:cNvSpPr>
+            <a:spLocks noGrp="1"/>
+          </p:cNvSpPr>
+          <p:nvPr>
+            <p:ph idx="1"/>
+          </p:nvPr>
+        </p:nvSpPr>
+        <p:spPr/>
+        <p:txBody>
+          <a:bodyPr>
+            <a:normAutofit/>
+          </a:bodyPr>
+          <a:lstStyle/>
+          <a:p>
+            <a:r>
+              <a:rPr lang="it-IT" dirty="0"/>
+              <a:t>Join </a:t>
+            </a:r>
+            <a:r>
+              <a:rPr lang="it-IT" dirty="0" err="1"/>
+              <a:t>Messages</a:t>
+            </a:r>
+            <a:endParaRPr lang="it-IT" dirty="0"/>
+          </a:p>
+          <a:p>
+            <a:pPr lvl="1">
+              <a:buFont typeface="Wingdings" panose="05000000000000000000" pitchFamily="2" charset="2"/>
+              <a:buChar char="Ø"/>
+            </a:pPr>
+            <a:r>
+              <a:rPr lang="it-IT" dirty="0" err="1"/>
+              <a:t>Only</a:t>
+            </a:r>
+            <a:r>
+              <a:rPr lang="it-IT" dirty="0"/>
+              <a:t> by the server </a:t>
+            </a:r>
+            <a:r>
+              <a:rPr lang="it-IT" dirty="0" err="1"/>
+              <a:t>who</a:t>
+            </a:r>
+            <a:r>
+              <a:rPr lang="it-IT" dirty="0"/>
+              <a:t> </a:t>
+            </a:r>
+            <a:r>
+              <a:rPr lang="it-IT" dirty="0" err="1"/>
+              <a:t>sent</a:t>
+            </a:r>
+            <a:r>
+              <a:rPr lang="it-IT" dirty="0"/>
+              <a:t> </a:t>
+            </a:r>
+            <a:r>
+              <a:rPr lang="it-IT" dirty="0" err="1"/>
+              <a:t>it</a:t>
+            </a:r>
+            <a:r>
+              <a:rPr lang="it-IT" dirty="0"/>
+              <a:t> the first time </a:t>
+            </a:r>
+          </a:p>
+          <a:p>
+            <a:r>
+              <a:rPr lang="it-IT" dirty="0"/>
+              <a:t>Write </a:t>
+            </a:r>
+            <a:r>
+              <a:rPr lang="it-IT" dirty="0" err="1"/>
+              <a:t>Messages</a:t>
+            </a:r>
+            <a:r>
+              <a:rPr lang="it-IT" dirty="0"/>
+              <a:t>/</a:t>
+            </a:r>
+            <a:r>
+              <a:rPr lang="it-IT" dirty="0" err="1"/>
+              <a:t>Remove</a:t>
+            </a:r>
+            <a:r>
+              <a:rPr lang="it-IT" dirty="0"/>
+              <a:t> Message  </a:t>
+            </a:r>
+          </a:p>
+          <a:p>
+            <a:pPr lvl="1">
+              <a:buFont typeface="Wingdings" panose="05000000000000000000" pitchFamily="2" charset="2"/>
+              <a:buChar char="Ø"/>
+            </a:pPr>
+            <a:r>
+              <a:rPr lang="it-IT" dirty="0"/>
+              <a:t>By the server </a:t>
+            </a:r>
+            <a:r>
+              <a:rPr lang="it-IT" dirty="0" err="1"/>
+              <a:t>who</a:t>
+            </a:r>
+            <a:r>
+              <a:rPr lang="it-IT" dirty="0"/>
+              <a:t> </a:t>
+            </a:r>
+            <a:r>
+              <a:rPr lang="it-IT" dirty="0" err="1"/>
+              <a:t>sent</a:t>
+            </a:r>
+            <a:r>
+              <a:rPr lang="it-IT" dirty="0"/>
+              <a:t> </a:t>
+            </a:r>
+            <a:r>
+              <a:rPr lang="it-IT" dirty="0" err="1"/>
+              <a:t>it</a:t>
+            </a:r>
+            <a:r>
+              <a:rPr lang="it-IT" dirty="0"/>
+              <a:t> the first time </a:t>
+            </a:r>
+          </a:p>
+          <a:p>
+            <a:pPr lvl="1">
+              <a:buFont typeface="Wingdings" panose="05000000000000000000" pitchFamily="2" charset="2"/>
+              <a:buChar char="Ø"/>
+            </a:pPr>
+            <a:r>
+              <a:rPr lang="it-IT" dirty="0"/>
+              <a:t>By </a:t>
+            </a:r>
+            <a:r>
+              <a:rPr lang="it-IT" dirty="0" err="1"/>
+              <a:t>all</a:t>
+            </a:r>
+            <a:r>
+              <a:rPr lang="it-IT" dirty="0"/>
+              <a:t> the </a:t>
+            </a:r>
+            <a:r>
+              <a:rPr lang="it-IT" dirty="0" err="1"/>
+              <a:t>servers</a:t>
+            </a:r>
+            <a:r>
+              <a:rPr lang="it-IT" dirty="0"/>
+              <a:t> </a:t>
+            </a:r>
+            <a:r>
+              <a:rPr lang="it-IT" dirty="0" err="1"/>
+              <a:t>that</a:t>
+            </a:r>
+            <a:r>
+              <a:rPr lang="it-IT" dirty="0"/>
+              <a:t> </a:t>
+            </a:r>
+            <a:r>
+              <a:rPr lang="it-IT" dirty="0" err="1"/>
+              <a:t>receive</a:t>
+            </a:r>
+            <a:r>
+              <a:rPr lang="it-IT" dirty="0"/>
+              <a:t> </a:t>
+            </a:r>
+            <a:r>
+              <a:rPr lang="it-IT" dirty="0" err="1"/>
+              <a:t>it</a:t>
+            </a:r>
+            <a:r>
+              <a:rPr lang="it-IT" dirty="0"/>
+              <a:t> </a:t>
+            </a:r>
+          </a:p>
+          <a:p>
+            <a:r>
+              <a:rPr lang="it-IT" dirty="0"/>
+              <a:t>Timer </a:t>
+            </a:r>
+            <a:r>
+              <a:rPr lang="it-IT" dirty="0" err="1"/>
+              <a:t>Thread</a:t>
+            </a:r>
+            <a:r>
+              <a:rPr lang="it-IT" dirty="0"/>
+              <a:t> </a:t>
+            </a:r>
+          </a:p>
+          <a:p>
+            <a:pPr lvl="1">
+              <a:buFont typeface="Wingdings" panose="05000000000000000000" pitchFamily="2" charset="2"/>
+              <a:buChar char="Ø"/>
+            </a:pPr>
+            <a:r>
+              <a:rPr lang="it-IT" dirty="0"/>
+              <a:t>Reference to the </a:t>
+            </a:r>
+            <a:r>
+              <a:rPr lang="it-IT" dirty="0" err="1"/>
+              <a:t>message</a:t>
+            </a:r>
+            <a:r>
+              <a:rPr lang="it-IT" dirty="0"/>
+              <a:t> to </a:t>
+            </a:r>
+            <a:r>
+              <a:rPr lang="it-IT" dirty="0" err="1"/>
+              <a:t>retransmit</a:t>
+            </a:r>
+            <a:endParaRPr lang="it-IT" dirty="0"/>
+          </a:p>
+          <a:p>
+            <a:pPr lvl="1">
+              <a:buFont typeface="Wingdings" panose="05000000000000000000" pitchFamily="2" charset="2"/>
+              <a:buChar char="Ø"/>
+            </a:pPr>
+            <a:r>
+              <a:rPr lang="it-IT" dirty="0" err="1"/>
+              <a:t>Attribute</a:t>
+            </a:r>
+            <a:r>
+              <a:rPr lang="it-IT" dirty="0"/>
+              <a:t> of the </a:t>
+            </a:r>
+            <a:r>
+              <a:rPr lang="it-IT" dirty="0" err="1"/>
+              <a:t>logic</a:t>
+            </a:r>
+            <a:r>
+              <a:rPr lang="it-IT" dirty="0"/>
+              <a:t> (</a:t>
+            </a:r>
+            <a:r>
+              <a:rPr lang="it-IT" dirty="0" err="1"/>
+              <a:t>map</a:t>
+            </a:r>
+            <a:r>
+              <a:rPr lang="it-IT" dirty="0"/>
+              <a:t> for </a:t>
+            </a:r>
+            <a:r>
+              <a:rPr lang="it-IT" dirty="0" err="1"/>
+              <a:t>write</a:t>
+            </a:r>
+            <a:r>
+              <a:rPr lang="it-IT" dirty="0"/>
+              <a:t> </a:t>
+            </a:r>
+            <a:r>
+              <a:rPr lang="it-IT" dirty="0" err="1"/>
+              <a:t>messages</a:t>
+            </a:r>
+            <a:r>
+              <a:rPr lang="it-IT" dirty="0"/>
+              <a:t>/</a:t>
+            </a:r>
+            <a:r>
+              <a:rPr lang="it-IT" dirty="0" err="1"/>
+              <a:t>arraylist</a:t>
+            </a:r>
+            <a:r>
+              <a:rPr lang="it-IT" dirty="0"/>
+              <a:t> for the </a:t>
+            </a:r>
+            <a:r>
+              <a:rPr lang="it-IT" dirty="0" err="1"/>
+              <a:t>others</a:t>
+            </a:r>
+            <a:r>
+              <a:rPr lang="it-IT" dirty="0"/>
+              <a:t>)</a:t>
+            </a:r>
+          </a:p>
+          <a:p>
+            <a:pPr lvl="1">
+              <a:buFont typeface="Wingdings" panose="05000000000000000000" pitchFamily="2" charset="2"/>
+              <a:buChar char="Ø"/>
+            </a:pPr>
+            <a:r>
+              <a:rPr lang="it-IT" dirty="0" err="1"/>
+              <a:t>Retransmit</a:t>
+            </a:r>
+            <a:r>
+              <a:rPr lang="it-IT" dirty="0"/>
+              <a:t> </a:t>
+            </a:r>
+            <a:r>
+              <a:rPr lang="it-IT" dirty="0" err="1"/>
+              <a:t>message</a:t>
+            </a:r>
+            <a:r>
+              <a:rPr lang="it-IT" dirty="0"/>
+              <a:t> </a:t>
+            </a:r>
+            <a:r>
+              <a:rPr lang="it-IT" dirty="0" err="1"/>
+              <a:t>after</a:t>
+            </a:r>
+            <a:r>
+              <a:rPr lang="it-IT" dirty="0"/>
+              <a:t> «</a:t>
+            </a:r>
+            <a:r>
+              <a:rPr lang="it-IT" dirty="0" err="1"/>
+              <a:t>sleep</a:t>
+            </a:r>
+            <a:r>
+              <a:rPr lang="it-IT" dirty="0"/>
+              <a:t>» </a:t>
+            </a:r>
+            <a:r>
+              <a:rPr lang="it-IT" dirty="0" err="1"/>
+              <a:t>ms</a:t>
+            </a:r>
+            <a:endParaRPr lang="it-IT" dirty="0"/>
+          </a:p>
+          <a:p>
+            <a:pPr lvl="1">
+              <a:buFont typeface="Wingdings" panose="05000000000000000000" pitchFamily="2" charset="2"/>
+              <a:buChar char="Ø"/>
+            </a:pPr>
+            <a:r>
+              <a:rPr lang="it-IT" dirty="0" err="1"/>
+              <a:t>If</a:t>
+            </a:r>
+            <a:r>
+              <a:rPr lang="it-IT" dirty="0"/>
+              <a:t> </a:t>
+            </a:r>
+            <a:r>
+              <a:rPr lang="it-IT" dirty="0" err="1"/>
+              <a:t>all</a:t>
+            </a:r>
+            <a:r>
+              <a:rPr lang="it-IT" dirty="0"/>
+              <a:t> </a:t>
+            </a:r>
+            <a:r>
+              <a:rPr lang="it-IT" dirty="0" err="1"/>
+              <a:t>acks</a:t>
+            </a:r>
+            <a:r>
+              <a:rPr lang="it-IT" dirty="0"/>
+              <a:t> are </a:t>
+            </a:r>
+            <a:r>
+              <a:rPr lang="it-IT" dirty="0" err="1"/>
+              <a:t>received</a:t>
+            </a:r>
+            <a:r>
+              <a:rPr lang="it-IT" dirty="0"/>
+              <a:t>, the </a:t>
+            </a:r>
+            <a:r>
+              <a:rPr lang="it-IT" dirty="0" err="1"/>
+              <a:t>thread</a:t>
+            </a:r>
+            <a:r>
+              <a:rPr lang="it-IT" dirty="0"/>
+              <a:t> </a:t>
+            </a:r>
+            <a:r>
+              <a:rPr lang="it-IT" dirty="0" err="1"/>
+              <a:t>is</a:t>
+            </a:r>
+            <a:r>
+              <a:rPr lang="it-IT" dirty="0"/>
+              <a:t> </a:t>
+            </a:r>
+            <a:r>
+              <a:rPr lang="it-IT" dirty="0" err="1"/>
+              <a:t>interrupted</a:t>
+            </a:r>
+            <a:r>
+              <a:rPr lang="it-IT" dirty="0"/>
+              <a:t>  </a:t>
+            </a:r>
+          </a:p>
+          <a:p>
+            <a:pPr lvl="1">
+              <a:buFont typeface="Wingdings" panose="05000000000000000000" pitchFamily="2" charset="2"/>
+              <a:buChar char="Ø"/>
+            </a:pPr>
+            <a:endParaRPr lang="it-IT" dirty="0"/>
+          </a:p>
+          <a:p>
+            <a:pPr lvl="1">
+              <a:buFont typeface="Wingdings" panose="05000000000000000000" pitchFamily="2" charset="2"/>
+              <a:buChar char="Ø"/>
+            </a:pPr>
+            <a:endParaRPr lang="it-IT" dirty="0"/>
+          </a:p>
+          <a:p>
+            <a:pPr lvl="1">
+              <a:buFont typeface="Wingdings" panose="05000000000000000000" pitchFamily="2" charset="2"/>
+              <a:buChar char="Ø"/>
+            </a:pPr>
+            <a:endParaRPr lang="it-IT" dirty="0"/>
+          </a:p>
+          <a:p>
+            <a:pPr lvl="1">
+              <a:buFont typeface="Wingdings" panose="05000000000000000000" pitchFamily="2" charset="2"/>
+              <a:buChar char="Ø"/>
+            </a:pPr>
+            <a:endParaRPr lang="it-IT" dirty="0"/>
+          </a:p>
+        </p:txBody>
+      </p:sp>
+    </p:spTree>
+    <p:extLst>
+      <p:ext uri="{BB962C8B-B14F-4D97-AF65-F5344CB8AC3E}">
+        <p14:creationId xmlns:p14="http://schemas.microsoft.com/office/powerpoint/2010/main" val="1558470895"/>
+      </p:ext>
+    </p:extLst>
+  </p:cSld>
+  <p:clrMapOvr>
+    <a:masterClrMapping/>
+  </p:clrMapOvr>
+</p:sld>
+</file>
+
+<file path=ppt/slides/slide7.xml><?xml version="1.0" encoding="utf-8"?>
+<p:sld xmlns:a="http://schemas.openxmlformats.org/drawingml/2006/main" xmlns:r="http://schemas.openxmlformats.org/officeDocument/2006/relationships" xmlns:p="http://schemas.openxmlformats.org/presentationml/2006/main">
+  <p:cSld>
+    <p:spTree>
+      <p:nvGrpSpPr>
+        <p:cNvPr id="1" name=""/>
+        <p:cNvGrpSpPr/>
+        <p:nvPr/>
+      </p:nvGrpSpPr>
+      <p:grpSpPr>
+        <a:xfrm>
+          <a:off x="0" y="0"/>
+          <a:ext cx="0" cy="0"/>
+          <a:chOff x="0" y="0"/>
+          <a:chExt cx="0" cy="0"/>
+        </a:xfrm>
+      </p:grpSpPr>
+      <p:sp>
+        <p:nvSpPr>
+          <p:cNvPr id="2" name="Titolo 1">
+            <a:extLst>
+              <a:ext uri="{FF2B5EF4-FFF2-40B4-BE49-F238E27FC236}">
+                <a16:creationId xmlns:a16="http://schemas.microsoft.com/office/drawing/2014/main" id="{1210E1EF-EEDF-4175-ADA6-786627B49431}"/>
+              </a:ext>
+            </a:extLst>
+          </p:cNvPr>
+          <p:cNvSpPr>
+            <a:spLocks noGrp="1"/>
+          </p:cNvSpPr>
+          <p:nvPr>
+            <p:ph type="title"/>
+          </p:nvPr>
+        </p:nvSpPr>
+        <p:spPr/>
+        <p:txBody>
+          <a:bodyPr/>
+          <a:lstStyle/>
+          <a:p>
+            <a:r>
+              <a:rPr lang="it-IT" dirty="0" err="1"/>
+              <a:t>Server’s</a:t>
+            </a:r>
+            <a:r>
+              <a:rPr lang="it-IT" dirty="0"/>
+              <a:t> Crash Handling: </a:t>
+            </a:r>
+            <a:r>
+              <a:rPr lang="it-IT" dirty="0" err="1"/>
+              <a:t>recognition</a:t>
+            </a:r>
+            <a:r>
+              <a:rPr lang="it-IT" dirty="0"/>
+              <a:t>  </a:t>
+            </a:r>
+          </a:p>
+        </p:txBody>
+      </p:sp>
+      <p:sp>
+        <p:nvSpPr>
+          <p:cNvPr id="3" name="Segnaposto contenuto 2">
+            <a:extLst>
+              <a:ext uri="{FF2B5EF4-FFF2-40B4-BE49-F238E27FC236}">
+                <a16:creationId xmlns:a16="http://schemas.microsoft.com/office/drawing/2014/main" id="{B159FF5D-C51D-4239-95A0-C67184C032D8}"/>
+              </a:ext>
+            </a:extLst>
+          </p:cNvPr>
+          <p:cNvSpPr>
+            <a:spLocks noGrp="1"/>
+          </p:cNvSpPr>
+          <p:nvPr>
+            <p:ph idx="1"/>
+          </p:nvPr>
+        </p:nvSpPr>
+        <p:spPr>
+          <a:xfrm>
+            <a:off x="677334" y="2160589"/>
+            <a:ext cx="8596668" cy="3880773"/>
+          </a:xfrm>
+        </p:spPr>
+        <p:txBody>
+          <a:bodyPr/>
+          <a:lstStyle/>
+          <a:p>
+            <a:r>
+              <a:rPr lang="it-IT" dirty="0" err="1"/>
+              <a:t>AckNotReceived</a:t>
+            </a:r>
+            <a:r>
+              <a:rPr lang="it-IT" dirty="0"/>
+              <a:t> </a:t>
+            </a:r>
+          </a:p>
+          <a:p>
+            <a:pPr lvl="1">
+              <a:buFont typeface="Wingdings" panose="05000000000000000000" pitchFamily="2" charset="2"/>
+              <a:buChar char="Ø"/>
+            </a:pPr>
+            <a:r>
+              <a:rPr lang="it-IT" dirty="0" err="1"/>
+              <a:t>Attribute</a:t>
+            </a:r>
+            <a:r>
+              <a:rPr lang="it-IT" dirty="0"/>
+              <a:t> of </a:t>
+            </a:r>
+            <a:r>
+              <a:rPr lang="it-IT" dirty="0" err="1"/>
+              <a:t>message</a:t>
+            </a:r>
+            <a:r>
+              <a:rPr lang="it-IT" dirty="0"/>
+              <a:t> </a:t>
+            </a:r>
+          </a:p>
+          <a:p>
+            <a:pPr lvl="1">
+              <a:buFont typeface="Wingdings" panose="05000000000000000000" pitchFamily="2" charset="2"/>
+              <a:buChar char="Ø"/>
+            </a:pPr>
+            <a:r>
+              <a:rPr lang="it-IT" dirty="0" err="1"/>
+              <a:t>Arraylist</a:t>
+            </a:r>
+            <a:r>
+              <a:rPr lang="it-IT" dirty="0"/>
+              <a:t>: </a:t>
+            </a:r>
+            <a:r>
+              <a:rPr lang="it-IT" dirty="0" err="1"/>
+              <a:t>each</a:t>
+            </a:r>
+            <a:r>
+              <a:rPr lang="it-IT" dirty="0"/>
+              <a:t> position </a:t>
+            </a:r>
+            <a:r>
+              <a:rPr lang="it-IT" dirty="0" err="1"/>
+              <a:t>is</a:t>
+            </a:r>
+            <a:r>
+              <a:rPr lang="it-IT" dirty="0"/>
+              <a:t> a server, the </a:t>
+            </a:r>
+            <a:r>
+              <a:rPr lang="it-IT" dirty="0" err="1"/>
+              <a:t>value</a:t>
+            </a:r>
+            <a:r>
+              <a:rPr lang="it-IT" dirty="0"/>
+              <a:t> shows </a:t>
+            </a:r>
+            <a:r>
+              <a:rPr lang="it-IT" dirty="0" err="1"/>
+              <a:t>how</a:t>
+            </a:r>
+            <a:r>
+              <a:rPr lang="it-IT" dirty="0"/>
+              <a:t> </a:t>
+            </a:r>
+            <a:r>
+              <a:rPr lang="it-IT" dirty="0" err="1"/>
+              <a:t>many</a:t>
+            </a:r>
+            <a:r>
+              <a:rPr lang="it-IT" dirty="0"/>
+              <a:t> </a:t>
+            </a:r>
+            <a:r>
+              <a:rPr lang="it-IT" dirty="0" err="1"/>
+              <a:t>acks</a:t>
+            </a:r>
+            <a:r>
+              <a:rPr lang="it-IT" dirty="0"/>
+              <a:t> of the </a:t>
+            </a:r>
+            <a:r>
+              <a:rPr lang="it-IT" dirty="0" err="1"/>
+              <a:t>message</a:t>
+            </a:r>
+            <a:r>
+              <a:rPr lang="it-IT" dirty="0"/>
+              <a:t> are </a:t>
+            </a:r>
+            <a:r>
+              <a:rPr lang="it-IT" dirty="0" err="1"/>
+              <a:t>not</a:t>
+            </a:r>
+            <a:r>
+              <a:rPr lang="it-IT" dirty="0"/>
+              <a:t> </a:t>
+            </a:r>
+            <a:r>
+              <a:rPr lang="it-IT" dirty="0" err="1"/>
+              <a:t>received</a:t>
+            </a:r>
+            <a:r>
+              <a:rPr lang="it-IT" dirty="0"/>
+              <a:t> from </a:t>
+            </a:r>
+            <a:r>
+              <a:rPr lang="it-IT" dirty="0" err="1"/>
+              <a:t>that</a:t>
+            </a:r>
+            <a:r>
+              <a:rPr lang="it-IT" dirty="0"/>
+              <a:t> server  </a:t>
+            </a:r>
+          </a:p>
+          <a:p>
+            <a:r>
+              <a:rPr lang="it-IT" dirty="0"/>
+              <a:t>Timer </a:t>
+            </a:r>
+            <a:r>
+              <a:rPr lang="it-IT" dirty="0" err="1"/>
+              <a:t>Thread</a:t>
+            </a:r>
+            <a:r>
+              <a:rPr lang="it-IT" dirty="0"/>
+              <a:t> </a:t>
+            </a:r>
+            <a:r>
+              <a:rPr lang="it-IT" dirty="0" err="1"/>
+              <a:t>retransmissions</a:t>
+            </a:r>
+            <a:r>
+              <a:rPr lang="it-IT" dirty="0"/>
+              <a:t> </a:t>
+            </a:r>
+          </a:p>
+          <a:p>
+            <a:pPr lvl="1">
+              <a:buFont typeface="Wingdings" panose="05000000000000000000" pitchFamily="2" charset="2"/>
+              <a:buChar char="Ø"/>
+            </a:pPr>
+            <a:r>
+              <a:rPr lang="it-IT" dirty="0" err="1"/>
+              <a:t>Retransmission</a:t>
+            </a:r>
+            <a:r>
+              <a:rPr lang="it-IT" dirty="0"/>
+              <a:t> </a:t>
+            </a:r>
+            <a:r>
+              <a:rPr lang="it-IT" dirty="0" err="1"/>
+              <a:t>threshold</a:t>
+            </a:r>
+            <a:r>
+              <a:rPr lang="it-IT" dirty="0"/>
+              <a:t>: </a:t>
+            </a:r>
+            <a:r>
+              <a:rPr lang="it-IT" dirty="0" err="1"/>
+              <a:t>if</a:t>
+            </a:r>
+            <a:r>
+              <a:rPr lang="it-IT" dirty="0"/>
+              <a:t> a </a:t>
+            </a:r>
+            <a:r>
+              <a:rPr lang="it-IT" dirty="0" err="1"/>
+              <a:t>value</a:t>
+            </a:r>
+            <a:r>
+              <a:rPr lang="it-IT" dirty="0"/>
+              <a:t> of the </a:t>
+            </a:r>
+            <a:r>
+              <a:rPr lang="it-IT" dirty="0" err="1"/>
+              <a:t>AckNotReceived</a:t>
+            </a:r>
+            <a:r>
+              <a:rPr lang="it-IT" dirty="0"/>
+              <a:t> </a:t>
+            </a:r>
+            <a:r>
+              <a:rPr lang="it-IT" dirty="0" err="1"/>
+              <a:t>exceeds</a:t>
+            </a:r>
+            <a:r>
+              <a:rPr lang="it-IT" dirty="0"/>
+              <a:t> </a:t>
+            </a:r>
+            <a:r>
+              <a:rPr lang="it-IT" dirty="0" err="1"/>
+              <a:t>it</a:t>
+            </a:r>
+            <a:r>
+              <a:rPr lang="it-IT" dirty="0"/>
+              <a:t>, the server </a:t>
+            </a:r>
+            <a:r>
+              <a:rPr lang="it-IT" dirty="0" err="1"/>
+              <a:t>represented</a:t>
+            </a:r>
+            <a:r>
+              <a:rPr lang="it-IT" dirty="0"/>
+              <a:t> by the position of the </a:t>
+            </a:r>
+            <a:r>
+              <a:rPr lang="it-IT" dirty="0" err="1"/>
+              <a:t>value</a:t>
+            </a:r>
+            <a:r>
+              <a:rPr lang="it-IT" dirty="0"/>
+              <a:t> </a:t>
+            </a:r>
+            <a:r>
+              <a:rPr lang="it-IT" dirty="0" err="1"/>
+              <a:t>is</a:t>
+            </a:r>
+            <a:r>
+              <a:rPr lang="it-IT" dirty="0"/>
+              <a:t> </a:t>
+            </a:r>
+            <a:r>
+              <a:rPr lang="it-IT" dirty="0" err="1"/>
+              <a:t>not</a:t>
+            </a:r>
+            <a:r>
+              <a:rPr lang="it-IT" dirty="0"/>
+              <a:t> </a:t>
+            </a:r>
+            <a:r>
+              <a:rPr lang="it-IT" dirty="0" err="1"/>
+              <a:t>probably</a:t>
+            </a:r>
+            <a:r>
+              <a:rPr lang="it-IT" dirty="0"/>
+              <a:t> </a:t>
+            </a:r>
+            <a:r>
+              <a:rPr lang="it-IT" dirty="0" err="1"/>
+              <a:t>working</a:t>
+            </a:r>
+            <a:endParaRPr lang="it-IT" dirty="0"/>
+          </a:p>
+          <a:p>
+            <a:pPr lvl="1">
+              <a:buFont typeface="Wingdings" panose="05000000000000000000" pitchFamily="2" charset="2"/>
+              <a:buChar char="Ø"/>
+            </a:pPr>
+            <a:r>
+              <a:rPr lang="it-IT" dirty="0" err="1"/>
+              <a:t>Send</a:t>
+            </a:r>
+            <a:r>
+              <a:rPr lang="it-IT" dirty="0"/>
+              <a:t> a </a:t>
+            </a:r>
+            <a:r>
+              <a:rPr lang="it-IT" dirty="0" err="1"/>
+              <a:t>Remove</a:t>
+            </a:r>
+            <a:r>
+              <a:rPr lang="it-IT" dirty="0"/>
+              <a:t> Message </a:t>
+            </a:r>
+          </a:p>
+          <a:p>
+            <a:pPr lvl="1">
+              <a:buFont typeface="Wingdings" panose="05000000000000000000" pitchFamily="2" charset="2"/>
+              <a:buChar char="Ø"/>
+            </a:pPr>
+            <a:r>
+              <a:rPr lang="it-IT" dirty="0" err="1"/>
+              <a:t>Stopped</a:t>
+            </a:r>
+            <a:r>
+              <a:rPr lang="it-IT" dirty="0"/>
+              <a:t> Mode: </a:t>
+            </a:r>
+            <a:r>
+              <a:rPr lang="it-IT" dirty="0" err="1"/>
+              <a:t>Untill</a:t>
+            </a:r>
+            <a:r>
+              <a:rPr lang="it-IT" dirty="0"/>
+              <a:t> the server </a:t>
+            </a:r>
+            <a:r>
+              <a:rPr lang="it-IT" dirty="0" err="1"/>
+              <a:t>is</a:t>
+            </a:r>
+            <a:r>
+              <a:rPr lang="it-IT" dirty="0"/>
+              <a:t> </a:t>
+            </a:r>
+            <a:r>
+              <a:rPr lang="it-IT" dirty="0" err="1"/>
+              <a:t>not</a:t>
+            </a:r>
+            <a:r>
+              <a:rPr lang="it-IT" dirty="0"/>
+              <a:t> </a:t>
+            </a:r>
+            <a:r>
+              <a:rPr lang="it-IT" dirty="0" err="1"/>
+              <a:t>effectively</a:t>
+            </a:r>
+            <a:r>
+              <a:rPr lang="it-IT" dirty="0"/>
+              <a:t> </a:t>
+            </a:r>
+            <a:r>
+              <a:rPr lang="it-IT" dirty="0" err="1"/>
+              <a:t>removed</a:t>
+            </a:r>
+            <a:r>
+              <a:rPr lang="it-IT" dirty="0"/>
+              <a:t>, </a:t>
+            </a:r>
+            <a:r>
+              <a:rPr lang="it-IT" dirty="0" err="1"/>
+              <a:t>other</a:t>
+            </a:r>
+            <a:r>
+              <a:rPr lang="it-IT" dirty="0"/>
+              <a:t> </a:t>
+            </a:r>
+            <a:r>
+              <a:rPr lang="it-IT" dirty="0" err="1"/>
+              <a:t>activities</a:t>
+            </a:r>
+            <a:r>
+              <a:rPr lang="it-IT" dirty="0"/>
+              <a:t> are </a:t>
+            </a:r>
+            <a:r>
+              <a:rPr lang="it-IT" dirty="0" err="1"/>
+              <a:t>stopped</a:t>
+            </a:r>
+            <a:r>
+              <a:rPr lang="it-IT" dirty="0"/>
+              <a:t> </a:t>
+            </a:r>
+          </a:p>
+        </p:txBody>
+      </p:sp>
+    </p:spTree>
+    <p:extLst>
+      <p:ext uri="{BB962C8B-B14F-4D97-AF65-F5344CB8AC3E}">
+        <p14:creationId xmlns:p14="http://schemas.microsoft.com/office/powerpoint/2010/main" val="895639720"/>
       </p:ext>
     </p:extLst>
   </p:cSld>

--- a/SlidesPresentation.pptx
+++ b/SlidesPresentation.pptx
@@ -12,6 +12,10 @@
     <p:sldId id="260" r:id="rId6"/>
     <p:sldId id="261" r:id="rId7"/>
     <p:sldId id="262" r:id="rId8"/>
+    <p:sldId id="265" r:id="rId9"/>
+    <p:sldId id="263" r:id="rId10"/>
+    <p:sldId id="264" r:id="rId11"/>
+    <p:sldId id="266" r:id="rId12"/>
   </p:sldIdLst>
   <p:sldSz cx="12192000" cy="6858000"/>
   <p:notesSz cx="6858000" cy="9144000"/>
@@ -5911,6 +5915,331 @@
 </p:sld>
 </file>
 
+<file path=ppt/slides/slide10.xml><?xml version="1.0" encoding="utf-8"?>
+<p:sld xmlns:a="http://schemas.openxmlformats.org/drawingml/2006/main" xmlns:r="http://schemas.openxmlformats.org/officeDocument/2006/relationships" xmlns:p="http://schemas.openxmlformats.org/presentationml/2006/main">
+  <p:cSld>
+    <p:spTree>
+      <p:nvGrpSpPr>
+        <p:cNvPr id="1" name=""/>
+        <p:cNvGrpSpPr/>
+        <p:nvPr/>
+      </p:nvGrpSpPr>
+      <p:grpSpPr>
+        <a:xfrm>
+          <a:off x="0" y="0"/>
+          <a:ext cx="0" cy="0"/>
+          <a:chOff x="0" y="0"/>
+          <a:chExt cx="0" cy="0"/>
+        </a:xfrm>
+      </p:grpSpPr>
+      <p:sp>
+        <p:nvSpPr>
+          <p:cNvPr id="2" name="Titolo 1">
+            <a:extLst>
+              <a:ext uri="{FF2B5EF4-FFF2-40B4-BE49-F238E27FC236}">
+                <a16:creationId xmlns:a16="http://schemas.microsoft.com/office/drawing/2014/main" id="{B3CFD703-EA9B-4F3A-9929-F5DABEC0555B}"/>
+              </a:ext>
+            </a:extLst>
+          </p:cNvPr>
+          <p:cNvSpPr>
+            <a:spLocks noGrp="1"/>
+          </p:cNvSpPr>
+          <p:nvPr>
+            <p:ph type="title"/>
+          </p:nvPr>
+        </p:nvSpPr>
+        <p:spPr>
+          <a:xfrm>
+            <a:off x="677334" y="609600"/>
+            <a:ext cx="8596668" cy="678873"/>
+          </a:xfrm>
+        </p:spPr>
+        <p:txBody>
+          <a:bodyPr>
+            <a:normAutofit/>
+          </a:bodyPr>
+          <a:lstStyle/>
+          <a:p>
+            <a:r>
+              <a:rPr lang="en-US" dirty="0">
+                <a:solidFill>
+                  <a:schemeClr val="accent2">
+                    <a:lumMod val="75000"/>
+                  </a:schemeClr>
+                </a:solidFill>
+                <a:latin typeface="Garamond" panose="02020404030301010803" pitchFamily="18" charset="0"/>
+              </a:rPr>
+              <a:t>Vector clocks for causal delivery</a:t>
+            </a:r>
+          </a:p>
+        </p:txBody>
+      </p:sp>
+      <p:sp>
+        <p:nvSpPr>
+          <p:cNvPr id="3" name="Segnaposto contenuto 2">
+            <a:extLst>
+              <a:ext uri="{FF2B5EF4-FFF2-40B4-BE49-F238E27FC236}">
+                <a16:creationId xmlns:a16="http://schemas.microsoft.com/office/drawing/2014/main" id="{B268BE77-2390-4EE0-8B40-42801D26313A}"/>
+              </a:ext>
+            </a:extLst>
+          </p:cNvPr>
+          <p:cNvSpPr>
+            <a:spLocks noGrp="1"/>
+          </p:cNvSpPr>
+          <p:nvPr>
+            <p:ph idx="1"/>
+          </p:nvPr>
+        </p:nvSpPr>
+        <p:spPr>
+          <a:xfrm>
+            <a:off x="677334" y="1421477"/>
+            <a:ext cx="8596668" cy="4619886"/>
+          </a:xfrm>
+        </p:spPr>
+        <p:txBody>
+          <a:bodyPr>
+            <a:normAutofit lnSpcReduction="10000"/>
+          </a:bodyPr>
+          <a:lstStyle/>
+          <a:p>
+            <a:r>
+              <a:rPr lang="en-US" sz="2400" dirty="0">
+                <a:latin typeface="Garamond" panose="02020404030301010803" pitchFamily="18" charset="0"/>
+              </a:rPr>
+              <a:t>Each server has a vector clock and every time it receive a message it will check if it is a message from the future, from the past or it is in sequence. </a:t>
+            </a:r>
+          </a:p>
+          <a:p>
+            <a:r>
+              <a:rPr lang="en-US" sz="2400" dirty="0">
+                <a:latin typeface="Garamond" panose="02020404030301010803" pitchFamily="18" charset="0"/>
+              </a:rPr>
+              <a:t>If the server has already processed the message then the message is from the past and the server will only send the acks.</a:t>
+            </a:r>
+          </a:p>
+          <a:p>
+            <a:r>
+              <a:rPr lang="en-US" sz="2400" dirty="0">
+                <a:latin typeface="Garamond" panose="02020404030301010803" pitchFamily="18" charset="0"/>
+              </a:rPr>
+              <a:t>If the function </a:t>
+            </a:r>
+            <a:r>
+              <a:rPr lang="en-US" sz="2400" dirty="0" err="1">
+                <a:latin typeface="Garamond" panose="02020404030301010803" pitchFamily="18" charset="0"/>
+              </a:rPr>
+              <a:t>outOfSequence</a:t>
+            </a:r>
+            <a:r>
+              <a:rPr lang="en-US" sz="2400" dirty="0">
+                <a:latin typeface="Garamond" panose="02020404030301010803" pitchFamily="18" charset="0"/>
+              </a:rPr>
+              <a:t>(</a:t>
+            </a:r>
+            <a:r>
+              <a:rPr lang="en-US" sz="2400" dirty="0" err="1">
+                <a:latin typeface="Garamond" panose="02020404030301010803" pitchFamily="18" charset="0"/>
+              </a:rPr>
+              <a:t>VCMessage</a:t>
+            </a:r>
+            <a:r>
+              <a:rPr lang="en-US" sz="2400" dirty="0">
+                <a:latin typeface="Garamond" panose="02020404030301010803" pitchFamily="18" charset="0"/>
+              </a:rPr>
+              <a:t>, </a:t>
+            </a:r>
+            <a:r>
+              <a:rPr lang="en-US" sz="2400" dirty="0" err="1">
+                <a:latin typeface="Garamond" panose="02020404030301010803" pitchFamily="18" charset="0"/>
+              </a:rPr>
+              <a:t>VCServer</a:t>
+            </a:r>
+            <a:r>
+              <a:rPr lang="en-US" sz="2400" dirty="0">
+                <a:latin typeface="Garamond" panose="02020404030301010803" pitchFamily="18" charset="0"/>
+              </a:rPr>
+              <a:t>, </a:t>
+            </a:r>
+            <a:r>
+              <a:rPr lang="en-US" sz="2400" dirty="0" err="1">
+                <a:latin typeface="Garamond" panose="02020404030301010803" pitchFamily="18" charset="0"/>
+              </a:rPr>
+              <a:t>serverNumber</a:t>
+            </a:r>
+            <a:r>
+              <a:rPr lang="en-US" sz="2400" dirty="0">
+                <a:latin typeface="Garamond" panose="02020404030301010803" pitchFamily="18" charset="0"/>
+              </a:rPr>
+              <a:t>) returns true then the message is from the future and the server add this message to the queue.</a:t>
+            </a:r>
+          </a:p>
+          <a:p>
+            <a:r>
+              <a:rPr lang="en-US" sz="2400" dirty="0">
+                <a:latin typeface="Garamond" panose="02020404030301010803" pitchFamily="18" charset="0"/>
+              </a:rPr>
+              <a:t>If the message is in the right sequence then the server will run the execute() function of the message.</a:t>
+            </a:r>
+          </a:p>
+          <a:p>
+            <a:r>
+              <a:rPr lang="en-US" sz="2400" dirty="0">
+                <a:latin typeface="Garamond" panose="02020404030301010803" pitchFamily="18" charset="0"/>
+              </a:rPr>
+              <a:t>After an execute() the server will check if there is a message in the queue which now is in sequence and that can be executed.</a:t>
+            </a:r>
+          </a:p>
+        </p:txBody>
+      </p:sp>
+    </p:spTree>
+    <p:extLst>
+      <p:ext uri="{BB962C8B-B14F-4D97-AF65-F5344CB8AC3E}">
+        <p14:creationId xmlns:p14="http://schemas.microsoft.com/office/powerpoint/2010/main" val="4038043377"/>
+      </p:ext>
+    </p:extLst>
+  </p:cSld>
+  <p:clrMapOvr>
+    <a:masterClrMapping/>
+  </p:clrMapOvr>
+</p:sld>
+</file>
+
+<file path=ppt/slides/slide11.xml><?xml version="1.0" encoding="utf-8"?>
+<p:sld xmlns:a="http://schemas.openxmlformats.org/drawingml/2006/main" xmlns:r="http://schemas.openxmlformats.org/officeDocument/2006/relationships" xmlns:p="http://schemas.openxmlformats.org/presentationml/2006/main">
+  <p:cSld>
+    <p:spTree>
+      <p:nvGrpSpPr>
+        <p:cNvPr id="1" name=""/>
+        <p:cNvGrpSpPr/>
+        <p:nvPr/>
+      </p:nvGrpSpPr>
+      <p:grpSpPr>
+        <a:xfrm>
+          <a:off x="0" y="0"/>
+          <a:ext cx="0" cy="0"/>
+          <a:chOff x="0" y="0"/>
+          <a:chExt cx="0" cy="0"/>
+        </a:xfrm>
+      </p:grpSpPr>
+      <p:sp>
+        <p:nvSpPr>
+          <p:cNvPr id="2" name="Titolo 1">
+            <a:extLst>
+              <a:ext uri="{FF2B5EF4-FFF2-40B4-BE49-F238E27FC236}">
+                <a16:creationId xmlns:a16="http://schemas.microsoft.com/office/drawing/2014/main" id="{9F51B3FF-0345-4CC8-99D2-24B90DB75E90}"/>
+              </a:ext>
+            </a:extLst>
+          </p:cNvPr>
+          <p:cNvSpPr>
+            <a:spLocks noGrp="1"/>
+          </p:cNvSpPr>
+          <p:nvPr>
+            <p:ph type="title"/>
+          </p:nvPr>
+        </p:nvSpPr>
+        <p:spPr/>
+        <p:txBody>
+          <a:bodyPr>
+            <a:normAutofit/>
+          </a:bodyPr>
+          <a:lstStyle/>
+          <a:p>
+            <a:r>
+              <a:rPr lang="en-US" dirty="0">
+                <a:solidFill>
+                  <a:schemeClr val="accent2">
+                    <a:lumMod val="75000"/>
+                  </a:schemeClr>
+                </a:solidFill>
+                <a:latin typeface="Garamond" panose="02020404030301010803" pitchFamily="18" charset="0"/>
+              </a:rPr>
+              <a:t>Data Storage in Json file</a:t>
+            </a:r>
+          </a:p>
+        </p:txBody>
+      </p:sp>
+      <p:sp>
+        <p:nvSpPr>
+          <p:cNvPr id="3" name="Segnaposto contenuto 2">
+            <a:extLst>
+              <a:ext uri="{FF2B5EF4-FFF2-40B4-BE49-F238E27FC236}">
+                <a16:creationId xmlns:a16="http://schemas.microsoft.com/office/drawing/2014/main" id="{A06F1A0B-7E2F-4002-805A-5331F2E85C0D}"/>
+              </a:ext>
+            </a:extLst>
+          </p:cNvPr>
+          <p:cNvSpPr>
+            <a:spLocks noGrp="1"/>
+          </p:cNvSpPr>
+          <p:nvPr>
+            <p:ph idx="1"/>
+          </p:nvPr>
+        </p:nvSpPr>
+        <p:spPr>
+          <a:xfrm>
+            <a:off x="677334" y="1404851"/>
+            <a:ext cx="8596668" cy="4636511"/>
+          </a:xfrm>
+        </p:spPr>
+        <p:txBody>
+          <a:bodyPr>
+            <a:normAutofit/>
+          </a:bodyPr>
+          <a:lstStyle/>
+          <a:p>
+            <a:r>
+              <a:rPr lang="en-US" sz="2400" dirty="0">
+                <a:latin typeface="Garamond" panose="02020404030301010803" pitchFamily="18" charset="0"/>
+              </a:rPr>
+              <a:t>The Data Storage is implemented as a HashMap&lt;String, Integer&gt; in the DataStorage class.</a:t>
+            </a:r>
+          </a:p>
+          <a:p>
+            <a:r>
+              <a:rPr lang="en-US" sz="2400" dirty="0">
+                <a:latin typeface="Garamond" panose="02020404030301010803" pitchFamily="18" charset="0"/>
+              </a:rPr>
+              <a:t>The storage is also saved in a Json file in order to make possible to restore the data after the last server crashes.</a:t>
+            </a:r>
+          </a:p>
+          <a:p>
+            <a:r>
+              <a:rPr lang="en-US" sz="2400" dirty="0">
+                <a:latin typeface="Garamond" panose="02020404030301010803" pitchFamily="18" charset="0"/>
+              </a:rPr>
+              <a:t>When a server is started it will look for a backup file and then load it in the HashMap.</a:t>
+            </a:r>
+          </a:p>
+          <a:p>
+            <a:r>
+              <a:rPr lang="en-US" sz="2400" dirty="0">
+                <a:latin typeface="Garamond" panose="02020404030301010803" pitchFamily="18" charset="0"/>
+              </a:rPr>
+              <a:t>If there are other servers already on the network then the new server will receive the new data from them at the moment of the join.</a:t>
+            </a:r>
+          </a:p>
+          <a:p>
+            <a:pPr marL="0" indent="0">
+              <a:buNone/>
+            </a:pPr>
+            <a:endParaRPr lang="en-US" sz="2400" dirty="0">
+              <a:latin typeface="Garamond" panose="02020404030301010803" pitchFamily="18" charset="0"/>
+            </a:endParaRPr>
+          </a:p>
+        </p:txBody>
+      </p:sp>
+    </p:spTree>
+    <p:extLst>
+      <p:ext uri="{BB962C8B-B14F-4D97-AF65-F5344CB8AC3E}">
+        <p14:creationId xmlns:p14="http://schemas.microsoft.com/office/powerpoint/2010/main" val="1332316643"/>
+      </p:ext>
+    </p:extLst>
+  </p:cSld>
+  <p:clrMapOvr>
+    <a:masterClrMapping/>
+  </p:clrMapOvr>
+</p:sld>
+</file>
+
 <file path=ppt/slides/slide2.xml><?xml version="1.0" encoding="utf-8"?>
 <p:sld xmlns:a="http://schemas.openxmlformats.org/drawingml/2006/main" xmlns:r="http://schemas.openxmlformats.org/officeDocument/2006/relationships" xmlns:p="http://schemas.openxmlformats.org/presentationml/2006/main">
   <p:cSld>
@@ -5946,7 +6275,7 @@
         </p:nvSpPr>
         <p:spPr>
           <a:xfrm>
-            <a:off x="281681" y="82062"/>
+            <a:off x="713943" y="572514"/>
             <a:ext cx="7675358" cy="876300"/>
           </a:xfrm>
         </p:spPr>
@@ -5986,7 +6315,7 @@
         </p:nvSpPr>
         <p:spPr>
           <a:xfrm>
-            <a:off x="281681" y="896815"/>
+            <a:off x="630815" y="1919281"/>
             <a:ext cx="9504484" cy="5583115"/>
           </a:xfrm>
         </p:spPr>
@@ -6136,7 +6465,14 @@
           <a:lstStyle/>
           <a:p>
             <a:r>
-              <a:rPr lang="en-US" dirty="0"/>
+              <a:rPr lang="en-US" dirty="0">
+                <a:solidFill>
+                  <a:schemeClr val="accent2">
+                    <a:lumMod val="75000"/>
+                  </a:schemeClr>
+                </a:solidFill>
+                <a:latin typeface="Garamond" panose="02020404030301010803" pitchFamily="18" charset="0"/>
+              </a:rPr>
               <a:t>Project in a nutshell </a:t>
             </a:r>
           </a:p>
@@ -6164,44 +6500,58 @@
           <a:lstStyle/>
           <a:p>
             <a:r>
-              <a:rPr lang="en-US" dirty="0"/>
+              <a:rPr lang="en-US" sz="2400" dirty="0">
+                <a:latin typeface="Garamond" panose="02020404030301010803" pitchFamily="18" charset="0"/>
+              </a:rPr>
               <a:t>Multicast Connection between servers </a:t>
             </a:r>
           </a:p>
           <a:p>
             <a:r>
-              <a:rPr lang="en-US" dirty="0"/>
+              <a:rPr lang="en-US" sz="2400" dirty="0">
+                <a:latin typeface="Garamond" panose="02020404030301010803" pitchFamily="18" charset="0"/>
+              </a:rPr>
               <a:t>Client-Server Connection of multiple Clients </a:t>
             </a:r>
           </a:p>
           <a:p>
             <a:r>
-              <a:rPr lang="en-US" dirty="0"/>
+              <a:rPr lang="en-US" sz="2400" dirty="0">
+                <a:latin typeface="Garamond" panose="02020404030301010803" pitchFamily="18" charset="0"/>
+              </a:rPr>
               <a:t>Join Handling </a:t>
             </a:r>
           </a:p>
           <a:p>
             <a:r>
-              <a:rPr lang="en-US" dirty="0"/>
+              <a:rPr lang="en-US" sz="2400" dirty="0">
+                <a:latin typeface="Garamond" panose="02020404030301010803" pitchFamily="18" charset="0"/>
+              </a:rPr>
               <a:t>Messages Retransmission</a:t>
             </a:r>
           </a:p>
           <a:p>
             <a:r>
-              <a:rPr lang="en-US" dirty="0"/>
+              <a:rPr lang="en-US" sz="2400" dirty="0">
+                <a:latin typeface="Garamond" panose="02020404030301010803" pitchFamily="18" charset="0"/>
+              </a:rPr>
               <a:t>Server’s Crash Handling </a:t>
             </a:r>
           </a:p>
           <a:p>
             <a:r>
-              <a:rPr lang="en-US" dirty="0"/>
+              <a:rPr lang="en-US" sz="2400" dirty="0">
+                <a:latin typeface="Garamond" panose="02020404030301010803" pitchFamily="18" charset="0"/>
+              </a:rPr>
+              <a:t>Vector Clocks for causal delivery </a:t>
+            </a:r>
+          </a:p>
+          <a:p>
+            <a:r>
+              <a:rPr lang="en-US" sz="2400" dirty="0">
+                <a:latin typeface="Garamond" panose="02020404030301010803" pitchFamily="18" charset="0"/>
+              </a:rPr>
               <a:t>Data Storage in Json file </a:t>
-            </a:r>
-          </a:p>
-          <a:p>
-            <a:r>
-              <a:rPr lang="en-US" dirty="0"/>
-              <a:t>Vector Clocks for causal delivery </a:t>
             </a:r>
           </a:p>
           <a:p>
@@ -6264,12 +6614,15 @@
           <a:lstStyle/>
           <a:p>
             <a:r>
-              <a:rPr lang="it-IT" dirty="0" err="1"/>
-              <a:t>Connections</a:t>
-            </a:r>
-            <a:r>
-              <a:rPr lang="it-IT" dirty="0"/>
-              <a:t> </a:t>
+              <a:rPr lang="it-IT" dirty="0">
+                <a:solidFill>
+                  <a:schemeClr val="accent2">
+                    <a:lumMod val="75000"/>
+                  </a:schemeClr>
+                </a:solidFill>
+                <a:latin typeface="Garamond" panose="02020404030301010803" pitchFamily="18" charset="0"/>
+              </a:rPr>
+              <a:t>Connections </a:t>
             </a:r>
           </a:p>
         </p:txBody>
@@ -6296,16 +6649,10 @@
           <a:lstStyle/>
           <a:p>
             <a:r>
-              <a:rPr lang="it-IT" dirty="0"/>
-              <a:t>Client-Server Connection : Server </a:t>
-            </a:r>
-            <a:r>
-              <a:rPr lang="it-IT" dirty="0" err="1"/>
-              <a:t>Socket</a:t>
-            </a:r>
-            <a:r>
-              <a:rPr lang="it-IT" dirty="0"/>
-              <a:t> </a:t>
+              <a:rPr lang="en-US" sz="2400" dirty="0">
+                <a:latin typeface="Garamond" panose="02020404030301010803" pitchFamily="18" charset="0"/>
+              </a:rPr>
+              <a:t>Client-Server Connection : Server Socket </a:t>
             </a:r>
           </a:p>
           <a:p>
@@ -6314,7 +6661,9 @@
               <a:buChar char="Ø"/>
             </a:pPr>
             <a:r>
-              <a:rPr lang="it-IT" dirty="0"/>
+              <a:rPr lang="en-US" sz="1800" dirty="0">
+                <a:latin typeface="Garamond" panose="02020404030301010803" pitchFamily="18" charset="0"/>
+              </a:rPr>
               <a:t>TCP connection </a:t>
             </a:r>
           </a:p>
@@ -6324,12 +6673,10 @@
               <a:buChar char="Ø"/>
             </a:pPr>
             <a:r>
-              <a:rPr lang="it-IT" dirty="0" err="1"/>
-              <a:t>Point-to-point</a:t>
-            </a:r>
-            <a:r>
-              <a:rPr lang="it-IT" dirty="0"/>
-              <a:t> </a:t>
+              <a:rPr lang="en-US" sz="1800" dirty="0">
+                <a:latin typeface="Garamond" panose="02020404030301010803" pitchFamily="18" charset="0"/>
+              </a:rPr>
+              <a:t>Point-to-point </a:t>
             </a:r>
           </a:p>
           <a:p>
@@ -6338,26 +6685,18 @@
               <a:buChar char="Ø"/>
             </a:pPr>
             <a:r>
-              <a:rPr lang="it-IT" dirty="0" err="1"/>
-              <a:t>Reliable</a:t>
-            </a:r>
-            <a:r>
-              <a:rPr lang="it-IT" dirty="0"/>
-              <a:t> </a:t>
-            </a:r>
-          </a:p>
-          <a:p>
-            <a:r>
-              <a:rPr lang="it-IT" dirty="0"/>
-              <a:t>Multicast connection : Multicast </a:t>
-            </a:r>
-            <a:r>
-              <a:rPr lang="it-IT" dirty="0" err="1"/>
-              <a:t>Socket</a:t>
-            </a:r>
-            <a:r>
-              <a:rPr lang="it-IT" dirty="0"/>
-              <a:t> </a:t>
+              <a:rPr lang="en-US" sz="1800" dirty="0">
+                <a:latin typeface="Garamond" panose="02020404030301010803" pitchFamily="18" charset="0"/>
+              </a:rPr>
+              <a:t>Reliable </a:t>
+            </a:r>
+          </a:p>
+          <a:p>
+            <a:r>
+              <a:rPr lang="en-US" sz="2400" dirty="0">
+                <a:latin typeface="Garamond" panose="02020404030301010803" pitchFamily="18" charset="0"/>
+              </a:rPr>
+              <a:t>Multicast connection : Multicast Socket </a:t>
             </a:r>
           </a:p>
           <a:p>
@@ -6366,14 +6705,11 @@
               <a:buChar char="Ø"/>
             </a:pPr>
             <a:r>
-              <a:rPr lang="it-IT" dirty="0"/>
-              <a:t>UDP </a:t>
-            </a:r>
-            <a:r>
-              <a:rPr lang="it-IT" dirty="0" err="1"/>
-              <a:t>DatagramSocket</a:t>
-            </a:r>
-            <a:endParaRPr lang="it-IT" dirty="0"/>
+              <a:rPr lang="en-US" sz="1800" dirty="0">
+                <a:latin typeface="Garamond" panose="02020404030301010803" pitchFamily="18" charset="0"/>
+              </a:rPr>
+              <a:t>UDP DatagramSocket</a:t>
+            </a:r>
           </a:p>
           <a:p>
             <a:pPr lvl="1">
@@ -6381,7 +6717,9 @@
               <a:buChar char="Ø"/>
             </a:pPr>
             <a:r>
-              <a:rPr lang="it-IT" dirty="0"/>
+              <a:rPr lang="en-US" sz="1800" dirty="0">
+                <a:latin typeface="Garamond" panose="02020404030301010803" pitchFamily="18" charset="0"/>
+              </a:rPr>
               <a:t>Broadcasting </a:t>
             </a:r>
           </a:p>
@@ -6391,12 +6729,10 @@
               <a:buChar char="Ø"/>
             </a:pPr>
             <a:r>
-              <a:rPr lang="it-IT" dirty="0" err="1"/>
-              <a:t>Unreliable</a:t>
-            </a:r>
-            <a:r>
-              <a:rPr lang="it-IT" dirty="0"/>
-              <a:t> </a:t>
+              <a:rPr lang="en-US" sz="1800" dirty="0">
+                <a:latin typeface="Garamond" panose="02020404030301010803" pitchFamily="18" charset="0"/>
+              </a:rPr>
+              <a:t>Unreliable </a:t>
             </a:r>
           </a:p>
         </p:txBody>
@@ -6453,8 +6789,30 @@
           <a:lstStyle/>
           <a:p>
             <a:r>
+              <a:rPr lang="it-IT" dirty="0">
+                <a:solidFill>
+                  <a:schemeClr val="accent2">
+                    <a:lumMod val="75000"/>
+                  </a:schemeClr>
+                </a:solidFill>
+                <a:latin typeface="Garamond" panose="02020404030301010803" pitchFamily="18" charset="0"/>
+              </a:rPr>
+              <a:t>Join</a:t>
+            </a:r>
+            <a:r>
               <a:rPr lang="it-IT" dirty="0"/>
-              <a:t>Join Handling </a:t>
+              <a:t> </a:t>
+            </a:r>
+            <a:r>
+              <a:rPr lang="it-IT" dirty="0">
+                <a:solidFill>
+                  <a:schemeClr val="accent2">
+                    <a:lumMod val="75000"/>
+                  </a:schemeClr>
+                </a:solidFill>
+                <a:latin typeface="Garamond" panose="02020404030301010803" pitchFamily="18" charset="0"/>
+              </a:rPr>
+              <a:t>Handling </a:t>
             </a:r>
           </a:p>
         </p:txBody>
@@ -6477,48 +6835,70 @@
         </p:nvSpPr>
         <p:spPr/>
         <p:txBody>
-          <a:bodyPr/>
+          <a:bodyPr>
+            <a:normAutofit/>
+          </a:bodyPr>
           <a:lstStyle/>
           <a:p>
             <a:r>
-              <a:rPr lang="it-IT" dirty="0"/>
+              <a:rPr lang="it-IT" sz="2400" dirty="0">
+                <a:latin typeface="Garamond" panose="02020404030301010803" pitchFamily="18" charset="0"/>
+              </a:rPr>
               <a:t>Create a new group or Join in a </a:t>
             </a:r>
             <a:r>
-              <a:rPr lang="it-IT" dirty="0" err="1"/>
+              <a:rPr lang="en-US" sz="2400" dirty="0">
+                <a:latin typeface="Garamond" panose="02020404030301010803" pitchFamily="18" charset="0"/>
+              </a:rPr>
               <a:t>stated</a:t>
             </a:r>
             <a:r>
-              <a:rPr lang="it-IT" dirty="0"/>
+              <a:rPr lang="it-IT" sz="2400" dirty="0">
+                <a:latin typeface="Garamond" panose="02020404030301010803" pitchFamily="18" charset="0"/>
+              </a:rPr>
               <a:t> one (</a:t>
             </a:r>
             <a:r>
-              <a:rPr lang="it-IT" dirty="0" err="1"/>
+              <a:rPr lang="it-IT" sz="2400" dirty="0" err="1">
+                <a:latin typeface="Garamond" panose="02020404030301010803" pitchFamily="18" charset="0"/>
+              </a:rPr>
               <a:t>through</a:t>
             </a:r>
             <a:r>
-              <a:rPr lang="it-IT" dirty="0"/>
+              <a:rPr lang="it-IT" sz="2400" dirty="0">
+                <a:latin typeface="Garamond" panose="02020404030301010803" pitchFamily="18" charset="0"/>
+              </a:rPr>
               <a:t> a group IP)</a:t>
             </a:r>
           </a:p>
           <a:p>
             <a:r>
-              <a:rPr lang="it-IT" dirty="0"/>
+              <a:rPr lang="it-IT" sz="2400" dirty="0">
+                <a:latin typeface="Garamond" panose="02020404030301010803" pitchFamily="18" charset="0"/>
+              </a:rPr>
               <a:t>In case of join: Join/</a:t>
             </a:r>
             <a:r>
-              <a:rPr lang="it-IT" dirty="0" err="1"/>
+              <a:rPr lang="it-IT" sz="2400" dirty="0" err="1">
+                <a:latin typeface="Garamond" panose="02020404030301010803" pitchFamily="18" charset="0"/>
+              </a:rPr>
               <a:t>AckJoin</a:t>
             </a:r>
             <a:r>
-              <a:rPr lang="it-IT" dirty="0"/>
+              <a:rPr lang="it-IT" sz="2400" dirty="0">
+                <a:latin typeface="Garamond" panose="02020404030301010803" pitchFamily="18" charset="0"/>
+              </a:rPr>
               <a:t> </a:t>
             </a:r>
             <a:r>
-              <a:rPr lang="it-IT" dirty="0" err="1"/>
+              <a:rPr lang="it-IT" sz="2400" dirty="0" err="1">
+                <a:latin typeface="Garamond" panose="02020404030301010803" pitchFamily="18" charset="0"/>
+              </a:rPr>
               <a:t>Messages</a:t>
             </a:r>
-            <a:endParaRPr lang="it-IT" dirty="0"/>
+            <a:endParaRPr lang="it-IT" sz="2400" dirty="0">
+              <a:latin typeface="Garamond" panose="02020404030301010803" pitchFamily="18" charset="0"/>
+            </a:endParaRPr>
           </a:p>
           <a:p>
             <a:pPr lvl="1">
@@ -6526,31 +6906,45 @@
               <a:buChar char="Ø"/>
             </a:pPr>
             <a:r>
-              <a:rPr lang="it-IT" dirty="0"/>
+              <a:rPr lang="it-IT" sz="2000" dirty="0">
+                <a:latin typeface="Garamond" panose="02020404030301010803" pitchFamily="18" charset="0"/>
+              </a:rPr>
               <a:t>Server </a:t>
             </a:r>
             <a:r>
-              <a:rPr lang="it-IT" dirty="0" err="1"/>
+              <a:rPr lang="it-IT" sz="2000" dirty="0" err="1">
+                <a:latin typeface="Garamond" panose="02020404030301010803" pitchFamily="18" charset="0"/>
+              </a:rPr>
               <a:t>Receives</a:t>
             </a:r>
             <a:r>
-              <a:rPr lang="it-IT" dirty="0"/>
+              <a:rPr lang="it-IT" sz="2000" dirty="0">
+                <a:latin typeface="Garamond" panose="02020404030301010803" pitchFamily="18" charset="0"/>
+              </a:rPr>
               <a:t>: </a:t>
             </a:r>
             <a:r>
-              <a:rPr lang="it-IT" dirty="0" err="1"/>
+              <a:rPr lang="it-IT" sz="2000" dirty="0" err="1">
+                <a:latin typeface="Garamond" panose="02020404030301010803" pitchFamily="18" charset="0"/>
+              </a:rPr>
               <a:t>number</a:t>
             </a:r>
             <a:r>
-              <a:rPr lang="it-IT" dirty="0"/>
+              <a:rPr lang="it-IT" sz="2000" dirty="0">
+                <a:latin typeface="Garamond" panose="02020404030301010803" pitchFamily="18" charset="0"/>
+              </a:rPr>
               <a:t> of </a:t>
             </a:r>
             <a:r>
-              <a:rPr lang="it-IT" dirty="0" err="1"/>
+              <a:rPr lang="it-IT" sz="2000" dirty="0" err="1">
+                <a:latin typeface="Garamond" panose="02020404030301010803" pitchFamily="18" charset="0"/>
+              </a:rPr>
               <a:t>servers</a:t>
             </a:r>
             <a:r>
-              <a:rPr lang="it-IT" dirty="0"/>
+              <a:rPr lang="it-IT" sz="2000" dirty="0">
+                <a:latin typeface="Garamond" panose="02020404030301010803" pitchFamily="18" charset="0"/>
+              </a:rPr>
               <a:t> and data storage </a:t>
             </a:r>
           </a:p>
@@ -6560,47 +6954,69 @@
               <a:buChar char="Ø"/>
             </a:pPr>
             <a:r>
-              <a:rPr lang="it-IT" dirty="0"/>
+              <a:rPr lang="it-IT" sz="2000" dirty="0">
+                <a:latin typeface="Garamond" panose="02020404030301010803" pitchFamily="18" charset="0"/>
+              </a:rPr>
               <a:t>Waits </a:t>
             </a:r>
             <a:r>
-              <a:rPr lang="it-IT" dirty="0" err="1"/>
+              <a:rPr lang="it-IT" sz="2000" dirty="0" err="1">
+                <a:latin typeface="Garamond" panose="02020404030301010803" pitchFamily="18" charset="0"/>
+              </a:rPr>
               <a:t>all</a:t>
             </a:r>
             <a:r>
-              <a:rPr lang="it-IT" dirty="0"/>
+              <a:rPr lang="it-IT" sz="2000" dirty="0">
+                <a:latin typeface="Garamond" panose="02020404030301010803" pitchFamily="18" charset="0"/>
+              </a:rPr>
               <a:t> the </a:t>
             </a:r>
             <a:r>
-              <a:rPr lang="it-IT" dirty="0" err="1"/>
+              <a:rPr lang="it-IT" sz="2000" dirty="0" err="1">
+                <a:latin typeface="Garamond" panose="02020404030301010803" pitchFamily="18" charset="0"/>
+              </a:rPr>
               <a:t>acks</a:t>
             </a:r>
             <a:r>
-              <a:rPr lang="it-IT" dirty="0"/>
+              <a:rPr lang="it-IT" sz="2000" dirty="0">
+                <a:latin typeface="Garamond" panose="02020404030301010803" pitchFamily="18" charset="0"/>
+              </a:rPr>
               <a:t>: </a:t>
             </a:r>
             <a:r>
-              <a:rPr lang="it-IT" dirty="0" err="1"/>
+              <a:rPr lang="it-IT" sz="2000" dirty="0" err="1">
+                <a:latin typeface="Garamond" panose="02020404030301010803" pitchFamily="18" charset="0"/>
+              </a:rPr>
               <a:t>sure</a:t>
             </a:r>
             <a:r>
-              <a:rPr lang="it-IT" dirty="0"/>
+              <a:rPr lang="it-IT" sz="2000" dirty="0">
+                <a:latin typeface="Garamond" panose="02020404030301010803" pitchFamily="18" charset="0"/>
+              </a:rPr>
               <a:t> </a:t>
             </a:r>
             <a:r>
-              <a:rPr lang="it-IT" dirty="0" err="1"/>
+              <a:rPr lang="it-IT" sz="2000" dirty="0" err="1">
+                <a:latin typeface="Garamond" panose="02020404030301010803" pitchFamily="18" charset="0"/>
+              </a:rPr>
               <a:t>every</a:t>
             </a:r>
             <a:r>
-              <a:rPr lang="it-IT" dirty="0"/>
+              <a:rPr lang="it-IT" sz="2000" dirty="0">
+                <a:latin typeface="Garamond" panose="02020404030301010803" pitchFamily="18" charset="0"/>
+              </a:rPr>
               <a:t> server </a:t>
             </a:r>
             <a:r>
-              <a:rPr lang="it-IT" dirty="0" err="1"/>
+              <a:rPr lang="it-IT" sz="2000" dirty="0" err="1">
+                <a:latin typeface="Garamond" panose="02020404030301010803" pitchFamily="18" charset="0"/>
+              </a:rPr>
               <a:t>aware</a:t>
             </a:r>
             <a:r>
-              <a:rPr lang="it-IT" dirty="0"/>
+              <a:rPr lang="it-IT" sz="2000" dirty="0">
+                <a:latin typeface="Garamond" panose="02020404030301010803" pitchFamily="18" charset="0"/>
+              </a:rPr>
               <a:t> of the join</a:t>
             </a:r>
           </a:p>
@@ -6610,24 +7026,32 @@
               <a:buChar char="Ø"/>
             </a:pPr>
             <a:r>
-              <a:rPr lang="it-IT" dirty="0" err="1"/>
+              <a:rPr lang="it-IT" sz="2000" dirty="0" err="1">
+                <a:latin typeface="Garamond" panose="02020404030301010803" pitchFamily="18" charset="0"/>
+              </a:rPr>
               <a:t>Otherwise</a:t>
             </a:r>
             <a:r>
-              <a:rPr lang="it-IT" dirty="0"/>
+              <a:rPr lang="it-IT" sz="2000" dirty="0">
+                <a:latin typeface="Garamond" panose="02020404030301010803" pitchFamily="18" charset="0"/>
+              </a:rPr>
               <a:t> </a:t>
             </a:r>
             <a:r>
-              <a:rPr lang="it-IT" dirty="0" err="1"/>
+              <a:rPr lang="en-US" sz="2000" dirty="0">
+                <a:latin typeface="Garamond" panose="02020404030301010803" pitchFamily="18" charset="0"/>
+              </a:rPr>
               <a:t>retransmission</a:t>
             </a:r>
             <a:r>
-              <a:rPr lang="it-IT" dirty="0"/>
+              <a:rPr lang="it-IT" sz="2000" dirty="0">
+                <a:latin typeface="Garamond" panose="02020404030301010803" pitchFamily="18" charset="0"/>
+              </a:rPr>
               <a:t> </a:t>
             </a:r>
           </a:p>
           <a:p>
-            <a:endParaRPr lang="it-IT" dirty="0"/>
+            <a:endParaRPr lang="en-US" sz="2000" dirty="0"/>
           </a:p>
         </p:txBody>
       </p:sp>
@@ -6683,19 +7107,47 @@
           <a:lstStyle/>
           <a:p>
             <a:r>
-              <a:rPr lang="it-IT" dirty="0" err="1"/>
+              <a:rPr lang="it-IT" dirty="0" err="1">
+                <a:solidFill>
+                  <a:schemeClr val="accent2">
+                    <a:lumMod val="75000"/>
+                  </a:schemeClr>
+                </a:solidFill>
+                <a:latin typeface="Garamond" panose="02020404030301010803" pitchFamily="18" charset="0"/>
+              </a:rPr>
               <a:t>Messages</a:t>
             </a:r>
             <a:r>
-              <a:rPr lang="it-IT" dirty="0"/>
+              <a:rPr lang="it-IT" dirty="0">
+                <a:solidFill>
+                  <a:schemeClr val="accent2">
+                    <a:lumMod val="75000"/>
+                  </a:schemeClr>
+                </a:solidFill>
+                <a:latin typeface="Garamond" panose="02020404030301010803" pitchFamily="18" charset="0"/>
+              </a:rPr>
               <a:t> </a:t>
             </a:r>
             <a:r>
-              <a:rPr lang="it-IT" dirty="0" err="1"/>
+              <a:rPr lang="it-IT" dirty="0" err="1">
+                <a:solidFill>
+                  <a:schemeClr val="accent2">
+                    <a:lumMod val="75000"/>
+                  </a:schemeClr>
+                </a:solidFill>
+                <a:latin typeface="Garamond" panose="02020404030301010803" pitchFamily="18" charset="0"/>
+              </a:rPr>
               <a:t>Retransmission</a:t>
             </a:r>
             <a:r>
-              <a:rPr lang="it-IT" dirty="0"/>
+              <a:rPr lang="it-IT" dirty="0">
+                <a:solidFill>
+                  <a:schemeClr val="accent2">
+                    <a:lumMod val="75000"/>
+                  </a:schemeClr>
+                </a:solidFill>
+                <a:latin typeface="Garamond" panose="02020404030301010803" pitchFamily="18" charset="0"/>
+              </a:rPr>
               <a:t> </a:t>
             </a:r>
           </a:p>
@@ -6720,19 +7172,25 @@
         <p:spPr/>
         <p:txBody>
           <a:bodyPr>
-            <a:normAutofit/>
+            <a:normAutofit fontScale="92500" lnSpcReduction="20000"/>
           </a:bodyPr>
           <a:lstStyle/>
           <a:p>
             <a:r>
-              <a:rPr lang="it-IT" dirty="0"/>
+              <a:rPr lang="it-IT" sz="2400" dirty="0">
+                <a:latin typeface="Garamond" panose="02020404030301010803" pitchFamily="18" charset="0"/>
+              </a:rPr>
               <a:t>Join </a:t>
             </a:r>
             <a:r>
-              <a:rPr lang="it-IT" dirty="0" err="1"/>
+              <a:rPr lang="it-IT" sz="2400" dirty="0" err="1">
+                <a:latin typeface="Garamond" panose="02020404030301010803" pitchFamily="18" charset="0"/>
+              </a:rPr>
               <a:t>Messages</a:t>
             </a:r>
-            <a:endParaRPr lang="it-IT" dirty="0"/>
+            <a:endParaRPr lang="it-IT" sz="2400" dirty="0">
+              <a:latin typeface="Garamond" panose="02020404030301010803" pitchFamily="18" charset="0"/>
+            </a:endParaRPr>
           </a:p>
           <a:p>
             <a:pPr lvl="1">
@@ -6740,57 +7198,83 @@
               <a:buChar char="Ø"/>
             </a:pPr>
             <a:r>
-              <a:rPr lang="it-IT" dirty="0" err="1"/>
+              <a:rPr lang="en-US" sz="2000" dirty="0">
+                <a:latin typeface="Garamond" panose="02020404030301010803" pitchFamily="18" charset="0"/>
+              </a:rPr>
               <a:t>Only</a:t>
             </a:r>
             <a:r>
-              <a:rPr lang="it-IT" dirty="0"/>
+              <a:rPr lang="it-IT" sz="2000" dirty="0">
+                <a:latin typeface="Garamond" panose="02020404030301010803" pitchFamily="18" charset="0"/>
+              </a:rPr>
               <a:t> by the server </a:t>
             </a:r>
             <a:r>
-              <a:rPr lang="it-IT" dirty="0" err="1"/>
+              <a:rPr lang="it-IT" sz="2000" dirty="0" err="1">
+                <a:latin typeface="Garamond" panose="02020404030301010803" pitchFamily="18" charset="0"/>
+              </a:rPr>
               <a:t>who</a:t>
             </a:r>
             <a:r>
-              <a:rPr lang="it-IT" dirty="0"/>
+              <a:rPr lang="it-IT" sz="2000" dirty="0">
+                <a:latin typeface="Garamond" panose="02020404030301010803" pitchFamily="18" charset="0"/>
+              </a:rPr>
               <a:t> </a:t>
             </a:r>
             <a:r>
-              <a:rPr lang="it-IT" dirty="0" err="1"/>
+              <a:rPr lang="it-IT" sz="2000" dirty="0" err="1">
+                <a:latin typeface="Garamond" panose="02020404030301010803" pitchFamily="18" charset="0"/>
+              </a:rPr>
               <a:t>sent</a:t>
             </a:r>
             <a:r>
-              <a:rPr lang="it-IT" dirty="0"/>
+              <a:rPr lang="it-IT" sz="2000" dirty="0">
+                <a:latin typeface="Garamond" panose="02020404030301010803" pitchFamily="18" charset="0"/>
+              </a:rPr>
               <a:t> </a:t>
             </a:r>
             <a:r>
-              <a:rPr lang="it-IT" dirty="0" err="1"/>
+              <a:rPr lang="it-IT" sz="2000" dirty="0" err="1">
+                <a:latin typeface="Garamond" panose="02020404030301010803" pitchFamily="18" charset="0"/>
+              </a:rPr>
               <a:t>it</a:t>
             </a:r>
             <a:r>
-              <a:rPr lang="it-IT" dirty="0"/>
+              <a:rPr lang="it-IT" sz="2000" dirty="0">
+                <a:latin typeface="Garamond" panose="02020404030301010803" pitchFamily="18" charset="0"/>
+              </a:rPr>
               <a:t> the first time </a:t>
             </a:r>
           </a:p>
           <a:p>
             <a:r>
-              <a:rPr lang="it-IT" dirty="0"/>
+              <a:rPr lang="it-IT" sz="2400" dirty="0">
+                <a:latin typeface="Garamond" panose="02020404030301010803" pitchFamily="18" charset="0"/>
+              </a:rPr>
               <a:t>Write </a:t>
             </a:r>
             <a:r>
-              <a:rPr lang="it-IT" dirty="0" err="1"/>
+              <a:rPr lang="it-IT" sz="2400" dirty="0" err="1">
+                <a:latin typeface="Garamond" panose="02020404030301010803" pitchFamily="18" charset="0"/>
+              </a:rPr>
               <a:t>Messages</a:t>
             </a:r>
             <a:r>
-              <a:rPr lang="it-IT" dirty="0"/>
+              <a:rPr lang="it-IT" sz="2400" dirty="0">
+                <a:latin typeface="Garamond" panose="02020404030301010803" pitchFamily="18" charset="0"/>
+              </a:rPr>
               <a:t>/</a:t>
             </a:r>
             <a:r>
-              <a:rPr lang="it-IT" dirty="0" err="1"/>
+              <a:rPr lang="it-IT" sz="2400" dirty="0" err="1">
+                <a:latin typeface="Garamond" panose="02020404030301010803" pitchFamily="18" charset="0"/>
+              </a:rPr>
               <a:t>Remove</a:t>
             </a:r>
             <a:r>
-              <a:rPr lang="it-IT" dirty="0"/>
+              <a:rPr lang="it-IT" sz="2400" dirty="0">
+                <a:latin typeface="Garamond" panose="02020404030301010803" pitchFamily="18" charset="0"/>
+              </a:rPr>
               <a:t> Message  </a:t>
             </a:r>
           </a:p>
@@ -6800,31 +7284,45 @@
               <a:buChar char="Ø"/>
             </a:pPr>
             <a:r>
-              <a:rPr lang="it-IT" dirty="0"/>
+              <a:rPr lang="it-IT" sz="2000" dirty="0">
+                <a:latin typeface="Garamond" panose="02020404030301010803" pitchFamily="18" charset="0"/>
+              </a:rPr>
               <a:t>By the server </a:t>
             </a:r>
             <a:r>
-              <a:rPr lang="it-IT" dirty="0" err="1"/>
+              <a:rPr lang="it-IT" sz="2000" dirty="0" err="1">
+                <a:latin typeface="Garamond" panose="02020404030301010803" pitchFamily="18" charset="0"/>
+              </a:rPr>
               <a:t>who</a:t>
             </a:r>
             <a:r>
-              <a:rPr lang="it-IT" dirty="0"/>
+              <a:rPr lang="it-IT" sz="2000" dirty="0">
+                <a:latin typeface="Garamond" panose="02020404030301010803" pitchFamily="18" charset="0"/>
+              </a:rPr>
               <a:t> </a:t>
             </a:r>
             <a:r>
-              <a:rPr lang="it-IT" dirty="0" err="1"/>
+              <a:rPr lang="it-IT" sz="2000" dirty="0" err="1">
+                <a:latin typeface="Garamond" panose="02020404030301010803" pitchFamily="18" charset="0"/>
+              </a:rPr>
               <a:t>sent</a:t>
             </a:r>
             <a:r>
-              <a:rPr lang="it-IT" dirty="0"/>
+              <a:rPr lang="it-IT" sz="2000" dirty="0">
+                <a:latin typeface="Garamond" panose="02020404030301010803" pitchFamily="18" charset="0"/>
+              </a:rPr>
               <a:t> </a:t>
             </a:r>
             <a:r>
-              <a:rPr lang="it-IT" dirty="0" err="1"/>
+              <a:rPr lang="it-IT" sz="2000" dirty="0" err="1">
+                <a:latin typeface="Garamond" panose="02020404030301010803" pitchFamily="18" charset="0"/>
+              </a:rPr>
               <a:t>it</a:t>
             </a:r>
             <a:r>
-              <a:rPr lang="it-IT" dirty="0"/>
+              <a:rPr lang="it-IT" sz="2000" dirty="0">
+                <a:latin typeface="Garamond" panose="02020404030301010803" pitchFamily="18" charset="0"/>
+              </a:rPr>
               <a:t> the first time </a:t>
             </a:r>
           </a:p>
@@ -6834,61 +7332,89 @@
               <a:buChar char="Ø"/>
             </a:pPr>
             <a:r>
-              <a:rPr lang="it-IT" dirty="0"/>
+              <a:rPr lang="it-IT" sz="2000" dirty="0">
+                <a:latin typeface="Garamond" panose="02020404030301010803" pitchFamily="18" charset="0"/>
+              </a:rPr>
               <a:t>By </a:t>
             </a:r>
             <a:r>
-              <a:rPr lang="it-IT" dirty="0" err="1"/>
+              <a:rPr lang="it-IT" sz="2000" dirty="0" err="1">
+                <a:latin typeface="Garamond" panose="02020404030301010803" pitchFamily="18" charset="0"/>
+              </a:rPr>
               <a:t>all</a:t>
             </a:r>
             <a:r>
-              <a:rPr lang="it-IT" dirty="0"/>
+              <a:rPr lang="it-IT" sz="2000" dirty="0">
+                <a:latin typeface="Garamond" panose="02020404030301010803" pitchFamily="18" charset="0"/>
+              </a:rPr>
               <a:t> the </a:t>
             </a:r>
             <a:r>
-              <a:rPr lang="it-IT" dirty="0" err="1"/>
+              <a:rPr lang="it-IT" sz="2000" dirty="0" err="1">
+                <a:latin typeface="Garamond" panose="02020404030301010803" pitchFamily="18" charset="0"/>
+              </a:rPr>
               <a:t>servers</a:t>
             </a:r>
             <a:r>
-              <a:rPr lang="it-IT" dirty="0"/>
+              <a:rPr lang="it-IT" sz="2000" dirty="0">
+                <a:latin typeface="Garamond" panose="02020404030301010803" pitchFamily="18" charset="0"/>
+              </a:rPr>
               <a:t> </a:t>
             </a:r>
             <a:r>
-              <a:rPr lang="it-IT" dirty="0" err="1"/>
+              <a:rPr lang="it-IT" sz="2000" dirty="0" err="1">
+                <a:latin typeface="Garamond" panose="02020404030301010803" pitchFamily="18" charset="0"/>
+              </a:rPr>
               <a:t>that</a:t>
             </a:r>
             <a:r>
-              <a:rPr lang="it-IT" dirty="0"/>
+              <a:rPr lang="it-IT" sz="2000" dirty="0">
+                <a:latin typeface="Garamond" panose="02020404030301010803" pitchFamily="18" charset="0"/>
+              </a:rPr>
               <a:t> </a:t>
             </a:r>
             <a:r>
-              <a:rPr lang="it-IT" dirty="0" err="1"/>
+              <a:rPr lang="it-IT" sz="2000" dirty="0" err="1">
+                <a:latin typeface="Garamond" panose="02020404030301010803" pitchFamily="18" charset="0"/>
+              </a:rPr>
               <a:t>receive</a:t>
             </a:r>
             <a:r>
-              <a:rPr lang="it-IT" dirty="0"/>
+              <a:rPr lang="it-IT" sz="2000" dirty="0">
+                <a:latin typeface="Garamond" panose="02020404030301010803" pitchFamily="18" charset="0"/>
+              </a:rPr>
               <a:t> </a:t>
             </a:r>
             <a:r>
-              <a:rPr lang="it-IT" dirty="0" err="1"/>
+              <a:rPr lang="it-IT" sz="2000" dirty="0" err="1">
+                <a:latin typeface="Garamond" panose="02020404030301010803" pitchFamily="18" charset="0"/>
+              </a:rPr>
               <a:t>it</a:t>
             </a:r>
             <a:r>
-              <a:rPr lang="it-IT" dirty="0"/>
+              <a:rPr lang="it-IT" sz="2000" dirty="0">
+                <a:latin typeface="Garamond" panose="02020404030301010803" pitchFamily="18" charset="0"/>
+              </a:rPr>
               <a:t> </a:t>
             </a:r>
           </a:p>
           <a:p>
             <a:r>
-              <a:rPr lang="it-IT" dirty="0"/>
+              <a:rPr lang="it-IT" sz="2400" dirty="0">
+                <a:latin typeface="Garamond" panose="02020404030301010803" pitchFamily="18" charset="0"/>
+              </a:rPr>
               <a:t>Timer </a:t>
             </a:r>
             <a:r>
-              <a:rPr lang="it-IT" dirty="0" err="1"/>
+              <a:rPr lang="it-IT" sz="2400" dirty="0" err="1">
+                <a:latin typeface="Garamond" panose="02020404030301010803" pitchFamily="18" charset="0"/>
+              </a:rPr>
               <a:t>Thread</a:t>
             </a:r>
             <a:r>
-              <a:rPr lang="it-IT" dirty="0"/>
+              <a:rPr lang="it-IT" sz="2400" dirty="0">
+                <a:latin typeface="Garamond" panose="02020404030301010803" pitchFamily="18" charset="0"/>
+              </a:rPr>
               <a:t> </a:t>
             </a:r>
           </a:p>
@@ -6898,22 +7424,32 @@
               <a:buChar char="Ø"/>
             </a:pPr>
             <a:r>
-              <a:rPr lang="it-IT" dirty="0"/>
+              <a:rPr lang="it-IT" sz="2000" dirty="0">
+                <a:latin typeface="Garamond" panose="02020404030301010803" pitchFamily="18" charset="0"/>
+              </a:rPr>
               <a:t>Reference to the </a:t>
             </a:r>
             <a:r>
-              <a:rPr lang="it-IT" dirty="0" err="1"/>
+              <a:rPr lang="it-IT" sz="2000" dirty="0" err="1">
+                <a:latin typeface="Garamond" panose="02020404030301010803" pitchFamily="18" charset="0"/>
+              </a:rPr>
               <a:t>message</a:t>
             </a:r>
             <a:r>
-              <a:rPr lang="it-IT" dirty="0"/>
+              <a:rPr lang="it-IT" sz="2000" dirty="0">
+                <a:latin typeface="Garamond" panose="02020404030301010803" pitchFamily="18" charset="0"/>
+              </a:rPr>
               <a:t> to </a:t>
             </a:r>
             <a:r>
-              <a:rPr lang="it-IT" dirty="0" err="1"/>
+              <a:rPr lang="it-IT" sz="2000" dirty="0" err="1">
+                <a:latin typeface="Garamond" panose="02020404030301010803" pitchFamily="18" charset="0"/>
+              </a:rPr>
               <a:t>retransmit</a:t>
             </a:r>
-            <a:endParaRPr lang="it-IT" dirty="0"/>
+            <a:endParaRPr lang="it-IT" sz="2000" dirty="0">
+              <a:latin typeface="Garamond" panose="02020404030301010803" pitchFamily="18" charset="0"/>
+            </a:endParaRPr>
           </a:p>
           <a:p>
             <a:pPr lvl="1">
@@ -6921,59 +7457,87 @@
               <a:buChar char="Ø"/>
             </a:pPr>
             <a:r>
-              <a:rPr lang="it-IT" dirty="0" err="1"/>
+              <a:rPr lang="it-IT" sz="2000" dirty="0" err="1">
+                <a:latin typeface="Garamond" panose="02020404030301010803" pitchFamily="18" charset="0"/>
+              </a:rPr>
               <a:t>Attribute</a:t>
             </a:r>
             <a:r>
-              <a:rPr lang="it-IT" dirty="0"/>
+              <a:rPr lang="it-IT" sz="2000" dirty="0">
+                <a:latin typeface="Garamond" panose="02020404030301010803" pitchFamily="18" charset="0"/>
+              </a:rPr>
               <a:t> of the </a:t>
             </a:r>
             <a:r>
-              <a:rPr lang="it-IT" dirty="0" err="1"/>
+              <a:rPr lang="it-IT" sz="2000" dirty="0" err="1">
+                <a:latin typeface="Garamond" panose="02020404030301010803" pitchFamily="18" charset="0"/>
+              </a:rPr>
               <a:t>logic</a:t>
             </a:r>
             <a:r>
-              <a:rPr lang="it-IT" dirty="0"/>
+              <a:rPr lang="it-IT" sz="2000" dirty="0">
+                <a:latin typeface="Garamond" panose="02020404030301010803" pitchFamily="18" charset="0"/>
+              </a:rPr>
               <a:t> (</a:t>
             </a:r>
             <a:r>
-              <a:rPr lang="it-IT" dirty="0" err="1"/>
+              <a:rPr lang="it-IT" sz="2000" dirty="0" err="1">
+                <a:latin typeface="Garamond" panose="02020404030301010803" pitchFamily="18" charset="0"/>
+              </a:rPr>
               <a:t>map</a:t>
             </a:r>
             <a:r>
-              <a:rPr lang="it-IT" dirty="0"/>
+              <a:rPr lang="it-IT" sz="2000" dirty="0">
+                <a:latin typeface="Garamond" panose="02020404030301010803" pitchFamily="18" charset="0"/>
+              </a:rPr>
               <a:t> for </a:t>
             </a:r>
             <a:r>
-              <a:rPr lang="it-IT" dirty="0" err="1"/>
+              <a:rPr lang="it-IT" sz="2000" dirty="0" err="1">
+                <a:latin typeface="Garamond" panose="02020404030301010803" pitchFamily="18" charset="0"/>
+              </a:rPr>
               <a:t>write</a:t>
             </a:r>
             <a:r>
-              <a:rPr lang="it-IT" dirty="0"/>
+              <a:rPr lang="it-IT" sz="2000" dirty="0">
+                <a:latin typeface="Garamond" panose="02020404030301010803" pitchFamily="18" charset="0"/>
+              </a:rPr>
               <a:t> </a:t>
             </a:r>
             <a:r>
-              <a:rPr lang="it-IT" dirty="0" err="1"/>
+              <a:rPr lang="it-IT" sz="2000" dirty="0" err="1">
+                <a:latin typeface="Garamond" panose="02020404030301010803" pitchFamily="18" charset="0"/>
+              </a:rPr>
               <a:t>messages</a:t>
             </a:r>
             <a:r>
-              <a:rPr lang="it-IT" dirty="0"/>
+              <a:rPr lang="it-IT" sz="2000" dirty="0">
+                <a:latin typeface="Garamond" panose="02020404030301010803" pitchFamily="18" charset="0"/>
+              </a:rPr>
               <a:t>/</a:t>
             </a:r>
             <a:r>
-              <a:rPr lang="it-IT" dirty="0" err="1"/>
+              <a:rPr lang="it-IT" sz="2000" dirty="0" err="1">
+                <a:latin typeface="Garamond" panose="02020404030301010803" pitchFamily="18" charset="0"/>
+              </a:rPr>
               <a:t>arraylist</a:t>
             </a:r>
             <a:r>
-              <a:rPr lang="it-IT" dirty="0"/>
+              <a:rPr lang="it-IT" sz="2000" dirty="0">
+                <a:latin typeface="Garamond" panose="02020404030301010803" pitchFamily="18" charset="0"/>
+              </a:rPr>
               <a:t> for the </a:t>
             </a:r>
             <a:r>
-              <a:rPr lang="it-IT" dirty="0" err="1"/>
+              <a:rPr lang="it-IT" sz="2000" dirty="0" err="1">
+                <a:latin typeface="Garamond" panose="02020404030301010803" pitchFamily="18" charset="0"/>
+              </a:rPr>
               <a:t>others</a:t>
             </a:r>
             <a:r>
-              <a:rPr lang="it-IT" dirty="0"/>
+              <a:rPr lang="it-IT" sz="2000" dirty="0">
+                <a:latin typeface="Garamond" panose="02020404030301010803" pitchFamily="18" charset="0"/>
+              </a:rPr>
               <a:t>)</a:t>
             </a:r>
           </a:p>
@@ -6983,42 +7547,62 @@
               <a:buChar char="Ø"/>
             </a:pPr>
             <a:r>
-              <a:rPr lang="it-IT" dirty="0" err="1"/>
+              <a:rPr lang="it-IT" sz="2000" dirty="0" err="1">
+                <a:latin typeface="Garamond" panose="02020404030301010803" pitchFamily="18" charset="0"/>
+              </a:rPr>
               <a:t>Retransmit</a:t>
             </a:r>
             <a:r>
-              <a:rPr lang="it-IT" dirty="0"/>
+              <a:rPr lang="it-IT" sz="2000" dirty="0">
+                <a:latin typeface="Garamond" panose="02020404030301010803" pitchFamily="18" charset="0"/>
+              </a:rPr>
               <a:t> </a:t>
             </a:r>
             <a:r>
-              <a:rPr lang="it-IT" dirty="0" err="1"/>
+              <a:rPr lang="it-IT" sz="2000" dirty="0" err="1">
+                <a:latin typeface="Garamond" panose="02020404030301010803" pitchFamily="18" charset="0"/>
+              </a:rPr>
               <a:t>message</a:t>
             </a:r>
             <a:r>
-              <a:rPr lang="it-IT" dirty="0"/>
+              <a:rPr lang="it-IT" sz="2000" dirty="0">
+                <a:latin typeface="Garamond" panose="02020404030301010803" pitchFamily="18" charset="0"/>
+              </a:rPr>
               <a:t> </a:t>
             </a:r>
             <a:r>
-              <a:rPr lang="it-IT" dirty="0" err="1"/>
+              <a:rPr lang="it-IT" sz="2000" dirty="0" err="1">
+                <a:latin typeface="Garamond" panose="02020404030301010803" pitchFamily="18" charset="0"/>
+              </a:rPr>
               <a:t>after</a:t>
             </a:r>
             <a:r>
-              <a:rPr lang="it-IT" dirty="0"/>
+              <a:rPr lang="it-IT" sz="2000" dirty="0">
+                <a:latin typeface="Garamond" panose="02020404030301010803" pitchFamily="18" charset="0"/>
+              </a:rPr>
               <a:t> «</a:t>
             </a:r>
             <a:r>
-              <a:rPr lang="it-IT" dirty="0" err="1"/>
+              <a:rPr lang="it-IT" sz="2000" dirty="0" err="1">
+                <a:latin typeface="Garamond" panose="02020404030301010803" pitchFamily="18" charset="0"/>
+              </a:rPr>
               <a:t>sleep</a:t>
             </a:r>
             <a:r>
-              <a:rPr lang="it-IT" dirty="0"/>
+              <a:rPr lang="it-IT" sz="2000" dirty="0">
+                <a:latin typeface="Garamond" panose="02020404030301010803" pitchFamily="18" charset="0"/>
+              </a:rPr>
               <a:t>» </a:t>
             </a:r>
             <a:r>
-              <a:rPr lang="it-IT" dirty="0" err="1"/>
+              <a:rPr lang="it-IT" sz="2000" dirty="0" err="1">
+                <a:latin typeface="Garamond" panose="02020404030301010803" pitchFamily="18" charset="0"/>
+              </a:rPr>
               <a:t>ms</a:t>
             </a:r>
-            <a:endParaRPr lang="it-IT" dirty="0"/>
+            <a:endParaRPr lang="it-IT" sz="2000" dirty="0">
+              <a:latin typeface="Garamond" panose="02020404030301010803" pitchFamily="18" charset="0"/>
+            </a:endParaRPr>
           </a:p>
           <a:p>
             <a:pPr lvl="1">
@@ -7026,59 +7610,87 @@
               <a:buChar char="Ø"/>
             </a:pPr>
             <a:r>
-              <a:rPr lang="it-IT" dirty="0" err="1"/>
+              <a:rPr lang="it-IT" sz="2000" dirty="0" err="1">
+                <a:latin typeface="Garamond" panose="02020404030301010803" pitchFamily="18" charset="0"/>
+              </a:rPr>
               <a:t>If</a:t>
             </a:r>
             <a:r>
-              <a:rPr lang="it-IT" dirty="0"/>
+              <a:rPr lang="it-IT" sz="2000" dirty="0">
+                <a:latin typeface="Garamond" panose="02020404030301010803" pitchFamily="18" charset="0"/>
+              </a:rPr>
               <a:t> </a:t>
             </a:r>
             <a:r>
-              <a:rPr lang="it-IT" dirty="0" err="1"/>
+              <a:rPr lang="it-IT" sz="2000" dirty="0" err="1">
+                <a:latin typeface="Garamond" panose="02020404030301010803" pitchFamily="18" charset="0"/>
+              </a:rPr>
               <a:t>all</a:t>
             </a:r>
             <a:r>
-              <a:rPr lang="it-IT" dirty="0"/>
+              <a:rPr lang="it-IT" sz="2000" dirty="0">
+                <a:latin typeface="Garamond" panose="02020404030301010803" pitchFamily="18" charset="0"/>
+              </a:rPr>
               <a:t> </a:t>
             </a:r>
             <a:r>
-              <a:rPr lang="it-IT" dirty="0" err="1"/>
+              <a:rPr lang="it-IT" sz="2000" dirty="0" err="1">
+                <a:latin typeface="Garamond" panose="02020404030301010803" pitchFamily="18" charset="0"/>
+              </a:rPr>
               <a:t>acks</a:t>
             </a:r>
             <a:r>
-              <a:rPr lang="it-IT" dirty="0"/>
+              <a:rPr lang="it-IT" sz="2000" dirty="0">
+                <a:latin typeface="Garamond" panose="02020404030301010803" pitchFamily="18" charset="0"/>
+              </a:rPr>
               <a:t> are </a:t>
             </a:r>
             <a:r>
-              <a:rPr lang="it-IT" dirty="0" err="1"/>
+              <a:rPr lang="it-IT" sz="2000" dirty="0" err="1">
+                <a:latin typeface="Garamond" panose="02020404030301010803" pitchFamily="18" charset="0"/>
+              </a:rPr>
               <a:t>received</a:t>
             </a:r>
             <a:r>
-              <a:rPr lang="it-IT" dirty="0"/>
+              <a:rPr lang="it-IT" sz="2000" dirty="0">
+                <a:latin typeface="Garamond" panose="02020404030301010803" pitchFamily="18" charset="0"/>
+              </a:rPr>
               <a:t>, the </a:t>
             </a:r>
             <a:r>
-              <a:rPr lang="it-IT" dirty="0" err="1"/>
+              <a:rPr lang="it-IT" sz="2000" dirty="0" err="1">
+                <a:latin typeface="Garamond" panose="02020404030301010803" pitchFamily="18" charset="0"/>
+              </a:rPr>
               <a:t>thread</a:t>
             </a:r>
             <a:r>
-              <a:rPr lang="it-IT" dirty="0"/>
+              <a:rPr lang="it-IT" sz="2000" dirty="0">
+                <a:latin typeface="Garamond" panose="02020404030301010803" pitchFamily="18" charset="0"/>
+              </a:rPr>
               <a:t> </a:t>
             </a:r>
             <a:r>
-              <a:rPr lang="it-IT" dirty="0" err="1"/>
+              <a:rPr lang="it-IT" sz="2000" dirty="0" err="1">
+                <a:latin typeface="Garamond" panose="02020404030301010803" pitchFamily="18" charset="0"/>
+              </a:rPr>
               <a:t>is</a:t>
             </a:r>
             <a:r>
-              <a:rPr lang="it-IT" dirty="0"/>
+              <a:rPr lang="it-IT" sz="2000" dirty="0">
+                <a:latin typeface="Garamond" panose="02020404030301010803" pitchFamily="18" charset="0"/>
+              </a:rPr>
               <a:t> </a:t>
             </a:r>
             <a:r>
-              <a:rPr lang="it-IT" dirty="0" err="1"/>
+              <a:rPr lang="it-IT" sz="2000" dirty="0" err="1">
+                <a:latin typeface="Garamond" panose="02020404030301010803" pitchFamily="18" charset="0"/>
+              </a:rPr>
               <a:t>interrupted</a:t>
             </a:r>
             <a:r>
-              <a:rPr lang="it-IT" dirty="0"/>
+              <a:rPr lang="it-IT" sz="2000" dirty="0">
+                <a:latin typeface="Garamond" panose="02020404030301010803" pitchFamily="18" charset="0"/>
+              </a:rPr>
               <a:t>  </a:t>
             </a:r>
           </a:p>
@@ -7087,28 +7699,36 @@
               <a:buFont typeface="Wingdings" panose="05000000000000000000" pitchFamily="2" charset="2"/>
               <a:buChar char="Ø"/>
             </a:pPr>
-            <a:endParaRPr lang="it-IT" dirty="0"/>
+            <a:endParaRPr lang="it-IT" sz="2000" dirty="0">
+              <a:latin typeface="Garamond" panose="02020404030301010803" pitchFamily="18" charset="0"/>
+            </a:endParaRPr>
           </a:p>
           <a:p>
             <a:pPr lvl="1">
               <a:buFont typeface="Wingdings" panose="05000000000000000000" pitchFamily="2" charset="2"/>
               <a:buChar char="Ø"/>
             </a:pPr>
-            <a:endParaRPr lang="it-IT" dirty="0"/>
+            <a:endParaRPr lang="it-IT" sz="2000" dirty="0">
+              <a:latin typeface="Garamond" panose="02020404030301010803" pitchFamily="18" charset="0"/>
+            </a:endParaRPr>
           </a:p>
           <a:p>
             <a:pPr lvl="1">
               <a:buFont typeface="Wingdings" panose="05000000000000000000" pitchFamily="2" charset="2"/>
               <a:buChar char="Ø"/>
             </a:pPr>
-            <a:endParaRPr lang="it-IT" dirty="0"/>
+            <a:endParaRPr lang="it-IT" sz="2000" dirty="0">
+              <a:latin typeface="Garamond" panose="02020404030301010803" pitchFamily="18" charset="0"/>
+            </a:endParaRPr>
           </a:p>
           <a:p>
             <a:pPr lvl="1">
               <a:buFont typeface="Wingdings" panose="05000000000000000000" pitchFamily="2" charset="2"/>
               <a:buChar char="Ø"/>
             </a:pPr>
-            <a:endParaRPr lang="it-IT" dirty="0"/>
+            <a:endParaRPr lang="it-IT" sz="2000" dirty="0">
+              <a:latin typeface="Garamond" panose="02020404030301010803" pitchFamily="18" charset="0"/>
+            </a:endParaRPr>
           </a:p>
         </p:txBody>
       </p:sp>
@@ -7164,19 +7784,47 @@
           <a:lstStyle/>
           <a:p>
             <a:r>
-              <a:rPr lang="it-IT" dirty="0" err="1"/>
+              <a:rPr lang="it-IT" dirty="0" err="1">
+                <a:solidFill>
+                  <a:schemeClr val="accent2">
+                    <a:lumMod val="75000"/>
+                  </a:schemeClr>
+                </a:solidFill>
+                <a:latin typeface="Garamond" panose="02020404030301010803" pitchFamily="18" charset="0"/>
+              </a:rPr>
               <a:t>Server’s</a:t>
             </a:r>
             <a:r>
-              <a:rPr lang="it-IT" dirty="0"/>
+              <a:rPr lang="it-IT" dirty="0">
+                <a:solidFill>
+                  <a:schemeClr val="accent2">
+                    <a:lumMod val="75000"/>
+                  </a:schemeClr>
+                </a:solidFill>
+                <a:latin typeface="Garamond" panose="02020404030301010803" pitchFamily="18" charset="0"/>
+              </a:rPr>
               <a:t> Crash Handling: </a:t>
             </a:r>
             <a:r>
-              <a:rPr lang="it-IT" dirty="0" err="1"/>
+              <a:rPr lang="it-IT" dirty="0" err="1">
+                <a:solidFill>
+                  <a:schemeClr val="accent2">
+                    <a:lumMod val="75000"/>
+                  </a:schemeClr>
+                </a:solidFill>
+                <a:latin typeface="Garamond" panose="02020404030301010803" pitchFamily="18" charset="0"/>
+              </a:rPr>
               <a:t>recognition</a:t>
             </a:r>
             <a:r>
-              <a:rPr lang="it-IT" dirty="0"/>
+              <a:rPr lang="it-IT" dirty="0">
+                <a:solidFill>
+                  <a:schemeClr val="accent2">
+                    <a:lumMod val="75000"/>
+                  </a:schemeClr>
+                </a:solidFill>
+                <a:latin typeface="Garamond" panose="02020404030301010803" pitchFamily="18" charset="0"/>
+              </a:rPr>
               <a:t>  </a:t>
             </a:r>
           </a:p>
@@ -7200,20 +7848,26 @@
         </p:nvSpPr>
         <p:spPr>
           <a:xfrm>
-            <a:off x="677334" y="2160589"/>
-            <a:ext cx="8596668" cy="3880773"/>
+            <a:off x="677333" y="1662545"/>
+            <a:ext cx="8849051" cy="4585855"/>
           </a:xfrm>
         </p:spPr>
         <p:txBody>
-          <a:bodyPr/>
+          <a:bodyPr>
+            <a:normAutofit fontScale="92500" lnSpcReduction="10000"/>
+          </a:bodyPr>
           <a:lstStyle/>
           <a:p>
             <a:r>
-              <a:rPr lang="it-IT" dirty="0" err="1"/>
+              <a:rPr lang="it-IT" sz="2800" dirty="0" err="1">
+                <a:latin typeface="Garamond" panose="02020404030301010803" pitchFamily="18" charset="0"/>
+              </a:rPr>
               <a:t>AckNotReceived</a:t>
             </a:r>
             <a:r>
-              <a:rPr lang="it-IT" dirty="0"/>
+              <a:rPr lang="it-IT" sz="2800" dirty="0">
+                <a:latin typeface="Garamond" panose="02020404030301010803" pitchFamily="18" charset="0"/>
+              </a:rPr>
               <a:t> </a:t>
             </a:r>
           </a:p>
@@ -7223,20 +7877,28 @@
               <a:buChar char="Ø"/>
             </a:pPr>
             <a:r>
-              <a:rPr lang="it-IT" dirty="0" err="1"/>
+              <a:rPr lang="it-IT" sz="2400" dirty="0" err="1">
+                <a:latin typeface="Garamond" panose="02020404030301010803" pitchFamily="18" charset="0"/>
+              </a:rPr>
               <a:t>Attribute</a:t>
             </a:r>
             <a:r>
-              <a:rPr lang="it-IT" dirty="0"/>
+              <a:rPr lang="it-IT" sz="2400" dirty="0">
+                <a:latin typeface="Garamond" panose="02020404030301010803" pitchFamily="18" charset="0"/>
+              </a:rPr>
               <a:t> of </a:t>
             </a:r>
             <a:r>
-              <a:rPr lang="it-IT" dirty="0" err="1"/>
+              <a:rPr lang="it-IT" sz="2400" dirty="0" err="1">
+                <a:latin typeface="Garamond" panose="02020404030301010803" pitchFamily="18" charset="0"/>
+              </a:rPr>
               <a:t>message</a:t>
             </a:r>
             <a:r>
-              <a:rPr lang="it-IT" dirty="0"/>
-              <a:t> </a:t>
+              <a:rPr lang="it-IT" sz="2400" dirty="0">
+                <a:latin typeface="Garamond" panose="02020404030301010803" pitchFamily="18" charset="0"/>
+              </a:rPr>
+              <a:t>.</a:t>
             </a:r>
           </a:p>
           <a:p>
@@ -7245,113 +7907,167 @@
               <a:buChar char="Ø"/>
             </a:pPr>
             <a:r>
-              <a:rPr lang="it-IT" dirty="0" err="1"/>
+              <a:rPr lang="it-IT" sz="2400" dirty="0" err="1">
+                <a:latin typeface="Garamond" panose="02020404030301010803" pitchFamily="18" charset="0"/>
+              </a:rPr>
               <a:t>Arraylist</a:t>
             </a:r>
             <a:r>
-              <a:rPr lang="it-IT" dirty="0"/>
+              <a:rPr lang="it-IT" sz="2400" dirty="0">
+                <a:latin typeface="Garamond" panose="02020404030301010803" pitchFamily="18" charset="0"/>
+              </a:rPr>
               <a:t>: </a:t>
             </a:r>
             <a:r>
-              <a:rPr lang="it-IT" dirty="0" err="1"/>
+              <a:rPr lang="en-US" sz="2400" dirty="0">
+                <a:latin typeface="Garamond" panose="02020404030301010803" pitchFamily="18" charset="0"/>
+              </a:rPr>
               <a:t>each</a:t>
             </a:r>
             <a:r>
-              <a:rPr lang="it-IT" dirty="0"/>
+              <a:rPr lang="it-IT" sz="2400" dirty="0">
+                <a:latin typeface="Garamond" panose="02020404030301010803" pitchFamily="18" charset="0"/>
+              </a:rPr>
               <a:t> position </a:t>
             </a:r>
             <a:r>
-              <a:rPr lang="it-IT" dirty="0" err="1"/>
+              <a:rPr lang="en-US" sz="2400" dirty="0">
+                <a:latin typeface="Garamond" panose="02020404030301010803" pitchFamily="18" charset="0"/>
+              </a:rPr>
               <a:t>is</a:t>
             </a:r>
             <a:r>
-              <a:rPr lang="it-IT" dirty="0"/>
+              <a:rPr lang="it-IT" sz="2400" dirty="0">
+                <a:latin typeface="Garamond" panose="02020404030301010803" pitchFamily="18" charset="0"/>
+              </a:rPr>
               <a:t> a server, the </a:t>
             </a:r>
             <a:r>
-              <a:rPr lang="it-IT" dirty="0" err="1"/>
+              <a:rPr lang="it-IT" sz="2400" dirty="0" err="1">
+                <a:latin typeface="Garamond" panose="02020404030301010803" pitchFamily="18" charset="0"/>
+              </a:rPr>
               <a:t>value</a:t>
             </a:r>
             <a:r>
-              <a:rPr lang="it-IT" dirty="0"/>
+              <a:rPr lang="it-IT" sz="2400" dirty="0">
+                <a:latin typeface="Garamond" panose="02020404030301010803" pitchFamily="18" charset="0"/>
+              </a:rPr>
               <a:t> shows </a:t>
             </a:r>
             <a:r>
-              <a:rPr lang="it-IT" dirty="0" err="1"/>
+              <a:rPr lang="it-IT" sz="2400" dirty="0" err="1">
+                <a:latin typeface="Garamond" panose="02020404030301010803" pitchFamily="18" charset="0"/>
+              </a:rPr>
               <a:t>how</a:t>
             </a:r>
             <a:r>
-              <a:rPr lang="it-IT" dirty="0"/>
+              <a:rPr lang="it-IT" sz="2400" dirty="0">
+                <a:latin typeface="Garamond" panose="02020404030301010803" pitchFamily="18" charset="0"/>
+              </a:rPr>
               <a:t> </a:t>
             </a:r>
             <a:r>
-              <a:rPr lang="it-IT" dirty="0" err="1"/>
+              <a:rPr lang="it-IT" sz="2400" dirty="0" err="1">
+                <a:latin typeface="Garamond" panose="02020404030301010803" pitchFamily="18" charset="0"/>
+              </a:rPr>
               <a:t>many</a:t>
             </a:r>
             <a:r>
-              <a:rPr lang="it-IT" dirty="0"/>
+              <a:rPr lang="it-IT" sz="2400" dirty="0">
+                <a:latin typeface="Garamond" panose="02020404030301010803" pitchFamily="18" charset="0"/>
+              </a:rPr>
               <a:t> </a:t>
             </a:r>
             <a:r>
-              <a:rPr lang="it-IT" dirty="0" err="1"/>
+              <a:rPr lang="it-IT" sz="2400" dirty="0" err="1">
+                <a:latin typeface="Garamond" panose="02020404030301010803" pitchFamily="18" charset="0"/>
+              </a:rPr>
               <a:t>acks</a:t>
             </a:r>
             <a:r>
-              <a:rPr lang="it-IT" dirty="0"/>
+              <a:rPr lang="it-IT" sz="2400" dirty="0">
+                <a:latin typeface="Garamond" panose="02020404030301010803" pitchFamily="18" charset="0"/>
+              </a:rPr>
               <a:t> of the </a:t>
             </a:r>
             <a:r>
-              <a:rPr lang="it-IT" dirty="0" err="1"/>
+              <a:rPr lang="it-IT" sz="2400" dirty="0" err="1">
+                <a:latin typeface="Garamond" panose="02020404030301010803" pitchFamily="18" charset="0"/>
+              </a:rPr>
               <a:t>message</a:t>
             </a:r>
             <a:r>
-              <a:rPr lang="it-IT" dirty="0"/>
+              <a:rPr lang="it-IT" sz="2400" dirty="0">
+                <a:latin typeface="Garamond" panose="02020404030301010803" pitchFamily="18" charset="0"/>
+              </a:rPr>
               <a:t> are </a:t>
             </a:r>
             <a:r>
-              <a:rPr lang="it-IT" dirty="0" err="1"/>
+              <a:rPr lang="it-IT" sz="2400" dirty="0" err="1">
+                <a:latin typeface="Garamond" panose="02020404030301010803" pitchFamily="18" charset="0"/>
+              </a:rPr>
               <a:t>not</a:t>
             </a:r>
             <a:r>
-              <a:rPr lang="it-IT" dirty="0"/>
+              <a:rPr lang="it-IT" sz="2400" dirty="0">
+                <a:latin typeface="Garamond" panose="02020404030301010803" pitchFamily="18" charset="0"/>
+              </a:rPr>
               <a:t> </a:t>
             </a:r>
             <a:r>
-              <a:rPr lang="it-IT" dirty="0" err="1"/>
+              <a:rPr lang="it-IT" sz="2400" dirty="0" err="1">
+                <a:latin typeface="Garamond" panose="02020404030301010803" pitchFamily="18" charset="0"/>
+              </a:rPr>
               <a:t>received</a:t>
             </a:r>
             <a:r>
-              <a:rPr lang="it-IT" dirty="0"/>
+              <a:rPr lang="it-IT" sz="2400" dirty="0">
+                <a:latin typeface="Garamond" panose="02020404030301010803" pitchFamily="18" charset="0"/>
+              </a:rPr>
               <a:t> from </a:t>
             </a:r>
             <a:r>
-              <a:rPr lang="it-IT" dirty="0" err="1"/>
+              <a:rPr lang="it-IT" sz="2400" dirty="0" err="1">
+                <a:latin typeface="Garamond" panose="02020404030301010803" pitchFamily="18" charset="0"/>
+              </a:rPr>
               <a:t>that</a:t>
             </a:r>
             <a:r>
-              <a:rPr lang="it-IT" dirty="0"/>
-              <a:t> server  </a:t>
-            </a:r>
-          </a:p>
-          <a:p>
-            <a:r>
-              <a:rPr lang="it-IT" dirty="0"/>
+              <a:rPr lang="it-IT" sz="2400" dirty="0">
+                <a:latin typeface="Garamond" panose="02020404030301010803" pitchFamily="18" charset="0"/>
+              </a:rPr>
+              <a:t> server.</a:t>
+            </a:r>
+          </a:p>
+          <a:p>
+            <a:r>
+              <a:rPr lang="it-IT" sz="2800" dirty="0">
+                <a:latin typeface="Garamond" panose="02020404030301010803" pitchFamily="18" charset="0"/>
+              </a:rPr>
               <a:t>Timer </a:t>
             </a:r>
             <a:r>
-              <a:rPr lang="it-IT" dirty="0" err="1"/>
+              <a:rPr lang="it-IT" sz="2800" dirty="0" err="1">
+                <a:latin typeface="Garamond" panose="02020404030301010803" pitchFamily="18" charset="0"/>
+              </a:rPr>
               <a:t>Thread</a:t>
             </a:r>
             <a:r>
-              <a:rPr lang="it-IT" dirty="0"/>
+              <a:rPr lang="it-IT" sz="2800" dirty="0">
+                <a:latin typeface="Garamond" panose="02020404030301010803" pitchFamily="18" charset="0"/>
+              </a:rPr>
               <a:t> </a:t>
             </a:r>
             <a:r>
-              <a:rPr lang="it-IT" dirty="0" err="1"/>
+              <a:rPr lang="it-IT" sz="2800" dirty="0" err="1">
+                <a:latin typeface="Garamond" panose="02020404030301010803" pitchFamily="18" charset="0"/>
+              </a:rPr>
               <a:t>retransmissions</a:t>
             </a:r>
             <a:r>
-              <a:rPr lang="it-IT" dirty="0"/>
+              <a:rPr lang="it-IT" sz="2800" dirty="0">
+                <a:latin typeface="Garamond" panose="02020404030301010803" pitchFamily="18" charset="0"/>
+              </a:rPr>
               <a:t> </a:t>
             </a:r>
           </a:p>
@@ -7361,106 +8077,161 @@
               <a:buChar char="Ø"/>
             </a:pPr>
             <a:r>
-              <a:rPr lang="it-IT" dirty="0" err="1"/>
+              <a:rPr lang="it-IT" sz="2400" dirty="0" err="1">
+                <a:latin typeface="Garamond" panose="02020404030301010803" pitchFamily="18" charset="0"/>
+              </a:rPr>
               <a:t>Retransmission</a:t>
             </a:r>
             <a:r>
-              <a:rPr lang="it-IT" dirty="0"/>
+              <a:rPr lang="it-IT" sz="2400" dirty="0">
+                <a:latin typeface="Garamond" panose="02020404030301010803" pitchFamily="18" charset="0"/>
+              </a:rPr>
               <a:t> </a:t>
             </a:r>
             <a:r>
-              <a:rPr lang="it-IT" dirty="0" err="1"/>
+              <a:rPr lang="it-IT" sz="2400" dirty="0" err="1">
+                <a:latin typeface="Garamond" panose="02020404030301010803" pitchFamily="18" charset="0"/>
+              </a:rPr>
               <a:t>threshold</a:t>
             </a:r>
             <a:r>
-              <a:rPr lang="it-IT" dirty="0"/>
+              <a:rPr lang="it-IT" sz="2400" dirty="0">
+                <a:latin typeface="Garamond" panose="02020404030301010803" pitchFamily="18" charset="0"/>
+              </a:rPr>
               <a:t>: </a:t>
             </a:r>
             <a:r>
-              <a:rPr lang="it-IT" dirty="0" err="1"/>
+              <a:rPr lang="it-IT" sz="2400" dirty="0" err="1">
+                <a:latin typeface="Garamond" panose="02020404030301010803" pitchFamily="18" charset="0"/>
+              </a:rPr>
               <a:t>if</a:t>
             </a:r>
             <a:r>
-              <a:rPr lang="it-IT" dirty="0"/>
+              <a:rPr lang="it-IT" sz="2400" dirty="0">
+                <a:latin typeface="Garamond" panose="02020404030301010803" pitchFamily="18" charset="0"/>
+              </a:rPr>
               <a:t> a </a:t>
             </a:r>
             <a:r>
-              <a:rPr lang="it-IT" dirty="0" err="1"/>
+              <a:rPr lang="it-IT" sz="2400" dirty="0" err="1">
+                <a:latin typeface="Garamond" panose="02020404030301010803" pitchFamily="18" charset="0"/>
+              </a:rPr>
               <a:t>value</a:t>
             </a:r>
             <a:r>
-              <a:rPr lang="it-IT" dirty="0"/>
+              <a:rPr lang="it-IT" sz="2400" dirty="0">
+                <a:latin typeface="Garamond" panose="02020404030301010803" pitchFamily="18" charset="0"/>
+              </a:rPr>
               <a:t> of the </a:t>
             </a:r>
             <a:r>
-              <a:rPr lang="it-IT" dirty="0" err="1"/>
+              <a:rPr lang="it-IT" sz="2400" dirty="0" err="1">
+                <a:latin typeface="Garamond" panose="02020404030301010803" pitchFamily="18" charset="0"/>
+              </a:rPr>
               <a:t>AckNotReceived</a:t>
             </a:r>
             <a:r>
-              <a:rPr lang="it-IT" dirty="0"/>
+              <a:rPr lang="it-IT" sz="2400" dirty="0">
+                <a:latin typeface="Garamond" panose="02020404030301010803" pitchFamily="18" charset="0"/>
+              </a:rPr>
               <a:t> </a:t>
             </a:r>
             <a:r>
-              <a:rPr lang="it-IT" dirty="0" err="1"/>
+              <a:rPr lang="it-IT" sz="2400" dirty="0" err="1">
+                <a:latin typeface="Garamond" panose="02020404030301010803" pitchFamily="18" charset="0"/>
+              </a:rPr>
               <a:t>exceeds</a:t>
             </a:r>
             <a:r>
-              <a:rPr lang="it-IT" dirty="0"/>
+              <a:rPr lang="it-IT" sz="2400" dirty="0">
+                <a:latin typeface="Garamond" panose="02020404030301010803" pitchFamily="18" charset="0"/>
+              </a:rPr>
               <a:t> </a:t>
             </a:r>
             <a:r>
-              <a:rPr lang="it-IT" dirty="0" err="1"/>
+              <a:rPr lang="it-IT" sz="2400" dirty="0" err="1">
+                <a:latin typeface="Garamond" panose="02020404030301010803" pitchFamily="18" charset="0"/>
+              </a:rPr>
               <a:t>it</a:t>
             </a:r>
             <a:r>
-              <a:rPr lang="it-IT" dirty="0"/>
+              <a:rPr lang="it-IT" sz="2400" dirty="0">
+                <a:latin typeface="Garamond" panose="02020404030301010803" pitchFamily="18" charset="0"/>
+              </a:rPr>
               <a:t>, the server </a:t>
             </a:r>
             <a:r>
-              <a:rPr lang="it-IT" dirty="0" err="1"/>
+              <a:rPr lang="it-IT" sz="2400" dirty="0" err="1">
+                <a:latin typeface="Garamond" panose="02020404030301010803" pitchFamily="18" charset="0"/>
+              </a:rPr>
               <a:t>represented</a:t>
             </a:r>
             <a:r>
-              <a:rPr lang="it-IT" dirty="0"/>
+              <a:rPr lang="it-IT" sz="2400" dirty="0">
+                <a:latin typeface="Garamond" panose="02020404030301010803" pitchFamily="18" charset="0"/>
+              </a:rPr>
               <a:t> by the position of the </a:t>
             </a:r>
             <a:r>
-              <a:rPr lang="it-IT" dirty="0" err="1"/>
+              <a:rPr lang="it-IT" sz="2400" dirty="0" err="1">
+                <a:latin typeface="Garamond" panose="02020404030301010803" pitchFamily="18" charset="0"/>
+              </a:rPr>
               <a:t>value</a:t>
             </a:r>
             <a:r>
-              <a:rPr lang="it-IT" dirty="0"/>
+              <a:rPr lang="it-IT" sz="2400" dirty="0">
+                <a:latin typeface="Garamond" panose="02020404030301010803" pitchFamily="18" charset="0"/>
+              </a:rPr>
               <a:t> </a:t>
             </a:r>
             <a:r>
-              <a:rPr lang="it-IT" dirty="0" err="1"/>
+              <a:rPr lang="it-IT" sz="2400" dirty="0" err="1">
+                <a:latin typeface="Garamond" panose="02020404030301010803" pitchFamily="18" charset="0"/>
+              </a:rPr>
               <a:t>is</a:t>
             </a:r>
             <a:r>
-              <a:rPr lang="it-IT" dirty="0"/>
+              <a:rPr lang="it-IT" sz="2400" dirty="0">
+                <a:latin typeface="Garamond" panose="02020404030301010803" pitchFamily="18" charset="0"/>
+              </a:rPr>
               <a:t> </a:t>
             </a:r>
             <a:r>
-              <a:rPr lang="it-IT" dirty="0" err="1"/>
+              <a:rPr lang="it-IT" sz="2400" dirty="0" err="1">
+                <a:latin typeface="Garamond" panose="02020404030301010803" pitchFamily="18" charset="0"/>
+              </a:rPr>
               <a:t>not</a:t>
             </a:r>
             <a:r>
-              <a:rPr lang="it-IT" dirty="0"/>
+              <a:rPr lang="it-IT" sz="2400" dirty="0">
+                <a:latin typeface="Garamond" panose="02020404030301010803" pitchFamily="18" charset="0"/>
+              </a:rPr>
               <a:t> </a:t>
             </a:r>
             <a:r>
-              <a:rPr lang="it-IT" dirty="0" err="1"/>
+              <a:rPr lang="it-IT" sz="2400" dirty="0" err="1">
+                <a:latin typeface="Garamond" panose="02020404030301010803" pitchFamily="18" charset="0"/>
+              </a:rPr>
               <a:t>probably</a:t>
             </a:r>
             <a:r>
-              <a:rPr lang="it-IT" dirty="0"/>
+              <a:rPr lang="it-IT" sz="2400" dirty="0">
+                <a:latin typeface="Garamond" panose="02020404030301010803" pitchFamily="18" charset="0"/>
+              </a:rPr>
               <a:t> </a:t>
             </a:r>
             <a:r>
-              <a:rPr lang="it-IT" dirty="0" err="1"/>
+              <a:rPr lang="it-IT" sz="2400" dirty="0" err="1">
+                <a:latin typeface="Garamond" panose="02020404030301010803" pitchFamily="18" charset="0"/>
+              </a:rPr>
               <a:t>working</a:t>
             </a:r>
-            <a:endParaRPr lang="it-IT" dirty="0"/>
+            <a:r>
+              <a:rPr lang="it-IT" sz="2400" dirty="0">
+                <a:latin typeface="Garamond" panose="02020404030301010803" pitchFamily="18" charset="0"/>
+              </a:rPr>
+              <a:t>.</a:t>
+            </a:r>
           </a:p>
           <a:p>
             <a:pPr lvl="1">
@@ -7468,20 +8239,28 @@
               <a:buChar char="Ø"/>
             </a:pPr>
             <a:r>
-              <a:rPr lang="it-IT" dirty="0" err="1"/>
+              <a:rPr lang="it-IT" sz="2400" dirty="0" err="1">
+                <a:latin typeface="Garamond" panose="02020404030301010803" pitchFamily="18" charset="0"/>
+              </a:rPr>
               <a:t>Send</a:t>
             </a:r>
             <a:r>
-              <a:rPr lang="it-IT" dirty="0"/>
+              <a:rPr lang="it-IT" sz="2400" dirty="0">
+                <a:latin typeface="Garamond" panose="02020404030301010803" pitchFamily="18" charset="0"/>
+              </a:rPr>
               <a:t> a </a:t>
             </a:r>
             <a:r>
-              <a:rPr lang="it-IT" dirty="0" err="1"/>
+              <a:rPr lang="it-IT" sz="2400" dirty="0" err="1">
+                <a:latin typeface="Garamond" panose="02020404030301010803" pitchFamily="18" charset="0"/>
+              </a:rPr>
               <a:t>Remove</a:t>
             </a:r>
             <a:r>
-              <a:rPr lang="it-IT" dirty="0"/>
-              <a:t> Message </a:t>
+              <a:rPr lang="it-IT" sz="2400" dirty="0">
+                <a:latin typeface="Garamond" panose="02020404030301010803" pitchFamily="18" charset="0"/>
+              </a:rPr>
+              <a:t> Message. </a:t>
             </a:r>
           </a:p>
           <a:p>
@@ -7490,76 +8269,112 @@
               <a:buChar char="Ø"/>
             </a:pPr>
             <a:r>
-              <a:rPr lang="it-IT" dirty="0" err="1"/>
+              <a:rPr lang="it-IT" sz="2400" dirty="0" err="1">
+                <a:latin typeface="Garamond" panose="02020404030301010803" pitchFamily="18" charset="0"/>
+              </a:rPr>
               <a:t>Stopped</a:t>
             </a:r>
             <a:r>
-              <a:rPr lang="it-IT" dirty="0"/>
+              <a:rPr lang="it-IT" sz="2400" dirty="0">
+                <a:latin typeface="Garamond" panose="02020404030301010803" pitchFamily="18" charset="0"/>
+              </a:rPr>
               <a:t> Mode: </a:t>
             </a:r>
             <a:r>
-              <a:rPr lang="it-IT" dirty="0" err="1"/>
+              <a:rPr lang="it-IT" sz="2400" dirty="0" err="1">
+                <a:latin typeface="Garamond" panose="02020404030301010803" pitchFamily="18" charset="0"/>
+              </a:rPr>
               <a:t>Untill</a:t>
             </a:r>
             <a:r>
-              <a:rPr lang="it-IT" dirty="0"/>
+              <a:rPr lang="it-IT" sz="2400" dirty="0">
+                <a:latin typeface="Garamond" panose="02020404030301010803" pitchFamily="18" charset="0"/>
+              </a:rPr>
               <a:t> the server </a:t>
             </a:r>
             <a:r>
-              <a:rPr lang="it-IT" dirty="0" err="1"/>
+              <a:rPr lang="it-IT" sz="2400" dirty="0" err="1">
+                <a:latin typeface="Garamond" panose="02020404030301010803" pitchFamily="18" charset="0"/>
+              </a:rPr>
               <a:t>is</a:t>
             </a:r>
             <a:r>
-              <a:rPr lang="it-IT" dirty="0"/>
+              <a:rPr lang="it-IT" sz="2400" dirty="0">
+                <a:latin typeface="Garamond" panose="02020404030301010803" pitchFamily="18" charset="0"/>
+              </a:rPr>
               <a:t> </a:t>
             </a:r>
             <a:r>
-              <a:rPr lang="it-IT" dirty="0" err="1"/>
+              <a:rPr lang="it-IT" sz="2400" dirty="0" err="1">
+                <a:latin typeface="Garamond" panose="02020404030301010803" pitchFamily="18" charset="0"/>
+              </a:rPr>
               <a:t>not</a:t>
             </a:r>
             <a:r>
-              <a:rPr lang="it-IT" dirty="0"/>
+              <a:rPr lang="it-IT" sz="2400" dirty="0">
+                <a:latin typeface="Garamond" panose="02020404030301010803" pitchFamily="18" charset="0"/>
+              </a:rPr>
               <a:t> </a:t>
             </a:r>
             <a:r>
-              <a:rPr lang="it-IT" dirty="0" err="1"/>
+              <a:rPr lang="it-IT" sz="2400" dirty="0" err="1">
+                <a:latin typeface="Garamond" panose="02020404030301010803" pitchFamily="18" charset="0"/>
+              </a:rPr>
               <a:t>effectively</a:t>
             </a:r>
             <a:r>
-              <a:rPr lang="it-IT" dirty="0"/>
+              <a:rPr lang="it-IT" sz="2400" dirty="0">
+                <a:latin typeface="Garamond" panose="02020404030301010803" pitchFamily="18" charset="0"/>
+              </a:rPr>
               <a:t> </a:t>
             </a:r>
             <a:r>
-              <a:rPr lang="it-IT" dirty="0" err="1"/>
+              <a:rPr lang="it-IT" sz="2400" dirty="0" err="1">
+                <a:latin typeface="Garamond" panose="02020404030301010803" pitchFamily="18" charset="0"/>
+              </a:rPr>
               <a:t>removed</a:t>
             </a:r>
             <a:r>
-              <a:rPr lang="it-IT" dirty="0"/>
+              <a:rPr lang="it-IT" sz="2400" dirty="0">
+                <a:latin typeface="Garamond" panose="02020404030301010803" pitchFamily="18" charset="0"/>
+              </a:rPr>
               <a:t>, </a:t>
             </a:r>
             <a:r>
-              <a:rPr lang="it-IT" dirty="0" err="1"/>
+              <a:rPr lang="it-IT" sz="2400" dirty="0" err="1">
+                <a:latin typeface="Garamond" panose="02020404030301010803" pitchFamily="18" charset="0"/>
+              </a:rPr>
               <a:t>other</a:t>
             </a:r>
             <a:r>
-              <a:rPr lang="it-IT" dirty="0"/>
+              <a:rPr lang="it-IT" sz="2400" dirty="0">
+                <a:latin typeface="Garamond" panose="02020404030301010803" pitchFamily="18" charset="0"/>
+              </a:rPr>
               <a:t> </a:t>
             </a:r>
             <a:r>
-              <a:rPr lang="it-IT" dirty="0" err="1"/>
+              <a:rPr lang="it-IT" sz="2400" dirty="0" err="1">
+                <a:latin typeface="Garamond" panose="02020404030301010803" pitchFamily="18" charset="0"/>
+              </a:rPr>
               <a:t>activities</a:t>
             </a:r>
             <a:r>
-              <a:rPr lang="it-IT" dirty="0"/>
+              <a:rPr lang="it-IT" sz="2400" dirty="0">
+                <a:latin typeface="Garamond" panose="02020404030301010803" pitchFamily="18" charset="0"/>
+              </a:rPr>
               <a:t> are </a:t>
             </a:r>
             <a:r>
-              <a:rPr lang="it-IT" dirty="0" err="1"/>
+              <a:rPr lang="it-IT" sz="2400" dirty="0" err="1">
+                <a:latin typeface="Garamond" panose="02020404030301010803" pitchFamily="18" charset="0"/>
+              </a:rPr>
               <a:t>stopped</a:t>
             </a:r>
             <a:r>
-              <a:rPr lang="it-IT" dirty="0"/>
-              <a:t> </a:t>
+              <a:rPr lang="it-IT" sz="2400" dirty="0">
+                <a:latin typeface="Garamond" panose="02020404030301010803" pitchFamily="18" charset="0"/>
+              </a:rPr>
+              <a:t>.</a:t>
             </a:r>
           </a:p>
         </p:txBody>
@@ -7568,6 +8383,437 @@
     <p:extLst>
       <p:ext uri="{BB962C8B-B14F-4D97-AF65-F5344CB8AC3E}">
         <p14:creationId xmlns:p14="http://schemas.microsoft.com/office/powerpoint/2010/main" val="895639720"/>
+      </p:ext>
+    </p:extLst>
+  </p:cSld>
+  <p:clrMapOvr>
+    <a:masterClrMapping/>
+  </p:clrMapOvr>
+</p:sld>
+</file>
+
+<file path=ppt/slides/slide8.xml><?xml version="1.0" encoding="utf-8"?>
+<p:sld xmlns:a="http://schemas.openxmlformats.org/drawingml/2006/main" xmlns:r="http://schemas.openxmlformats.org/officeDocument/2006/relationships" xmlns:p="http://schemas.openxmlformats.org/presentationml/2006/main">
+  <p:cSld>
+    <p:spTree>
+      <p:nvGrpSpPr>
+        <p:cNvPr id="1" name=""/>
+        <p:cNvGrpSpPr/>
+        <p:nvPr/>
+      </p:nvGrpSpPr>
+      <p:grpSpPr>
+        <a:xfrm>
+          <a:off x="0" y="0"/>
+          <a:ext cx="0" cy="0"/>
+          <a:chOff x="0" y="0"/>
+          <a:chExt cx="0" cy="0"/>
+        </a:xfrm>
+      </p:grpSpPr>
+      <p:sp>
+        <p:nvSpPr>
+          <p:cNvPr id="2" name="Titolo 1">
+            <a:extLst>
+              <a:ext uri="{FF2B5EF4-FFF2-40B4-BE49-F238E27FC236}">
+                <a16:creationId xmlns:a16="http://schemas.microsoft.com/office/drawing/2014/main" id="{E38D14E4-A065-40BF-8282-0AB6D906057A}"/>
+              </a:ext>
+            </a:extLst>
+          </p:cNvPr>
+          <p:cNvSpPr>
+            <a:spLocks noGrp="1"/>
+          </p:cNvSpPr>
+          <p:nvPr>
+            <p:ph type="title"/>
+          </p:nvPr>
+        </p:nvSpPr>
+        <p:spPr/>
+        <p:txBody>
+          <a:bodyPr>
+            <a:normAutofit/>
+          </a:bodyPr>
+          <a:lstStyle/>
+          <a:p>
+            <a:r>
+              <a:rPr lang="en-US" dirty="0">
+                <a:solidFill>
+                  <a:schemeClr val="accent2">
+                    <a:lumMod val="75000"/>
+                  </a:schemeClr>
+                </a:solidFill>
+                <a:latin typeface="Garamond" panose="02020404030301010803" pitchFamily="18" charset="0"/>
+              </a:rPr>
+              <a:t>Server’s Crash Handling: removing server</a:t>
+            </a:r>
+          </a:p>
+        </p:txBody>
+      </p:sp>
+      <p:sp>
+        <p:nvSpPr>
+          <p:cNvPr id="3" name="Segnaposto contenuto 2">
+            <a:extLst>
+              <a:ext uri="{FF2B5EF4-FFF2-40B4-BE49-F238E27FC236}">
+                <a16:creationId xmlns:a16="http://schemas.microsoft.com/office/drawing/2014/main" id="{5163483A-BDDA-4A3A-A3D2-66C015DE8858}"/>
+              </a:ext>
+            </a:extLst>
+          </p:cNvPr>
+          <p:cNvSpPr>
+            <a:spLocks noGrp="1"/>
+          </p:cNvSpPr>
+          <p:nvPr>
+            <p:ph idx="1"/>
+          </p:nvPr>
+        </p:nvSpPr>
+        <p:spPr>
+          <a:xfrm>
+            <a:off x="677334" y="1695797"/>
+            <a:ext cx="8596668" cy="4345566"/>
+          </a:xfrm>
+        </p:spPr>
+        <p:txBody>
+          <a:bodyPr>
+            <a:normAutofit/>
+          </a:bodyPr>
+          <a:lstStyle/>
+          <a:p>
+            <a:r>
+              <a:rPr lang="en-US" sz="2400" dirty="0">
+                <a:latin typeface="Garamond" panose="02020404030301010803" pitchFamily="18" charset="0"/>
+              </a:rPr>
+              <a:t>As soon as #servers-1 acks are received each server removes the crashed server and disable the Stopped Mode.</a:t>
+            </a:r>
+          </a:p>
+          <a:p>
+            <a:r>
+              <a:rPr lang="en-US" sz="2400" dirty="0">
+                <a:latin typeface="Garamond" panose="02020404030301010803" pitchFamily="18" charset="0"/>
+              </a:rPr>
+              <a:t>When a server exits from the Stopped Mode it:</a:t>
+            </a:r>
+          </a:p>
+          <a:p>
+            <a:pPr lvl="1"/>
+            <a:r>
+              <a:rPr lang="en-US" sz="2200" dirty="0">
+                <a:latin typeface="Garamond" panose="02020404030301010803" pitchFamily="18" charset="0"/>
+              </a:rPr>
+              <a:t>clears the </a:t>
+            </a:r>
+            <a:r>
+              <a:rPr lang="en-US" sz="2200" dirty="0" err="1">
+                <a:latin typeface="Garamond" panose="02020404030301010803" pitchFamily="18" charset="0"/>
+              </a:rPr>
+              <a:t>ackBuffer</a:t>
+            </a:r>
+            <a:r>
+              <a:rPr lang="en-US" sz="2200" dirty="0">
+                <a:latin typeface="Garamond" panose="02020404030301010803" pitchFamily="18" charset="0"/>
+              </a:rPr>
+              <a:t> and the queue.</a:t>
+            </a:r>
+          </a:p>
+          <a:p>
+            <a:pPr lvl="1"/>
+            <a:r>
+              <a:rPr lang="en-US" sz="2200" dirty="0">
+                <a:latin typeface="Garamond" panose="02020404030301010803" pitchFamily="18" charset="0"/>
+              </a:rPr>
+              <a:t>removes from </a:t>
+            </a:r>
+            <a:r>
+              <a:rPr lang="en-US" sz="2200" dirty="0" err="1">
+                <a:latin typeface="Garamond" panose="02020404030301010803" pitchFamily="18" charset="0"/>
+              </a:rPr>
+              <a:t>from</a:t>
+            </a:r>
+            <a:r>
+              <a:rPr lang="en-US" sz="2200" dirty="0">
+                <a:latin typeface="Garamond" panose="02020404030301010803" pitchFamily="18" charset="0"/>
+              </a:rPr>
+              <a:t> the </a:t>
+            </a:r>
+            <a:r>
+              <a:rPr lang="en-US" sz="2200" dirty="0" err="1">
+                <a:latin typeface="Garamond" panose="02020404030301010803" pitchFamily="18" charset="0"/>
+              </a:rPr>
+              <a:t>writeBuffer</a:t>
+            </a:r>
+            <a:r>
+              <a:rPr lang="en-US" sz="2200" dirty="0">
+                <a:latin typeface="Garamond" panose="02020404030301010803" pitchFamily="18" charset="0"/>
+              </a:rPr>
+              <a:t> the writes from the other servers.</a:t>
+            </a:r>
+          </a:p>
+          <a:p>
+            <a:pPr lvl="1"/>
+            <a:r>
+              <a:rPr lang="en-US" sz="2200" dirty="0">
+                <a:latin typeface="Garamond" panose="02020404030301010803" pitchFamily="18" charset="0"/>
+              </a:rPr>
+              <a:t>resends its own writes (and, doing it, restarts the retransmission timers).</a:t>
+            </a:r>
+          </a:p>
+          <a:p>
+            <a:endParaRPr lang="en-US" sz="2400" dirty="0">
+              <a:latin typeface="Garamond" panose="02020404030301010803" pitchFamily="18" charset="0"/>
+            </a:endParaRPr>
+          </a:p>
+        </p:txBody>
+      </p:sp>
+    </p:spTree>
+    <p:extLst>
+      <p:ext uri="{BB962C8B-B14F-4D97-AF65-F5344CB8AC3E}">
+        <p14:creationId xmlns:p14="http://schemas.microsoft.com/office/powerpoint/2010/main" val="4269370941"/>
+      </p:ext>
+    </p:extLst>
+  </p:cSld>
+  <p:clrMapOvr>
+    <a:masterClrMapping/>
+  </p:clrMapOvr>
+</p:sld>
+</file>
+
+<file path=ppt/slides/slide9.xml><?xml version="1.0" encoding="utf-8"?>
+<p:sld xmlns:a="http://schemas.openxmlformats.org/drawingml/2006/main" xmlns:r="http://schemas.openxmlformats.org/officeDocument/2006/relationships" xmlns:p="http://schemas.openxmlformats.org/presentationml/2006/main">
+  <p:cSld>
+    <p:spTree>
+      <p:nvGrpSpPr>
+        <p:cNvPr id="1" name=""/>
+        <p:cNvGrpSpPr/>
+        <p:nvPr/>
+      </p:nvGrpSpPr>
+      <p:grpSpPr>
+        <a:xfrm>
+          <a:off x="0" y="0"/>
+          <a:ext cx="0" cy="0"/>
+          <a:chOff x="0" y="0"/>
+          <a:chExt cx="0" cy="0"/>
+        </a:xfrm>
+      </p:grpSpPr>
+      <p:sp>
+        <p:nvSpPr>
+          <p:cNvPr id="2" name="Titolo 1">
+            <a:extLst>
+              <a:ext uri="{FF2B5EF4-FFF2-40B4-BE49-F238E27FC236}">
+                <a16:creationId xmlns:a16="http://schemas.microsoft.com/office/drawing/2014/main" id="{229012D5-0482-414A-9626-C2FE65742146}"/>
+              </a:ext>
+            </a:extLst>
+          </p:cNvPr>
+          <p:cNvSpPr>
+            <a:spLocks noGrp="1"/>
+          </p:cNvSpPr>
+          <p:nvPr>
+            <p:ph type="title"/>
+          </p:nvPr>
+        </p:nvSpPr>
+        <p:spPr>
+          <a:xfrm>
+            <a:off x="677334" y="609600"/>
+            <a:ext cx="8596668" cy="820189"/>
+          </a:xfrm>
+        </p:spPr>
+        <p:txBody>
+          <a:bodyPr>
+            <a:normAutofit/>
+          </a:bodyPr>
+          <a:lstStyle/>
+          <a:p>
+            <a:r>
+              <a:rPr lang="en-US" dirty="0">
+                <a:solidFill>
+                  <a:schemeClr val="accent2">
+                    <a:lumMod val="75000"/>
+                  </a:schemeClr>
+                </a:solidFill>
+                <a:latin typeface="Garamond" panose="02020404030301010803" pitchFamily="18" charset="0"/>
+              </a:rPr>
+              <a:t>Sequential Consistency Model</a:t>
+            </a:r>
+          </a:p>
+        </p:txBody>
+      </p:sp>
+      <p:sp>
+        <p:nvSpPr>
+          <p:cNvPr id="3" name="Segnaposto contenuto 2">
+            <a:extLst>
+              <a:ext uri="{FF2B5EF4-FFF2-40B4-BE49-F238E27FC236}">
+                <a16:creationId xmlns:a16="http://schemas.microsoft.com/office/drawing/2014/main" id="{857CC28B-FF6B-4ADE-8825-D456E9AE7D81}"/>
+              </a:ext>
+            </a:extLst>
+          </p:cNvPr>
+          <p:cNvSpPr>
+            <a:spLocks noGrp="1"/>
+          </p:cNvSpPr>
+          <p:nvPr>
+            <p:ph idx="1"/>
+          </p:nvPr>
+        </p:nvSpPr>
+        <p:spPr>
+          <a:xfrm>
+            <a:off x="677334" y="1429789"/>
+            <a:ext cx="8596668" cy="4611573"/>
+          </a:xfrm>
+        </p:spPr>
+        <p:txBody>
+          <a:bodyPr>
+            <a:normAutofit lnSpcReduction="10000"/>
+          </a:bodyPr>
+          <a:lstStyle/>
+          <a:p>
+            <a:r>
+              <a:rPr lang="en-US" sz="2400" dirty="0">
+                <a:latin typeface="Garamond" panose="02020404030301010803" pitchFamily="18" charset="0"/>
+              </a:rPr>
+              <a:t>Achieved using Vector Clocks.</a:t>
+            </a:r>
+          </a:p>
+          <a:p>
+            <a:r>
+              <a:rPr lang="en-US" sz="2400" dirty="0">
+                <a:latin typeface="Garamond" panose="02020404030301010803" pitchFamily="18" charset="0"/>
+              </a:rPr>
+              <a:t>Increment clock only when sending a message. On receive, just merge, not increment.</a:t>
+            </a:r>
+          </a:p>
+          <a:p>
+            <a:r>
+              <a:rPr lang="en-US" sz="2400" dirty="0">
+                <a:latin typeface="Garamond" panose="02020404030301010803" pitchFamily="18" charset="0"/>
+              </a:rPr>
+              <a:t>Hold a reply until the previous messages are received.</a:t>
+            </a:r>
+          </a:p>
+          <a:p>
+            <a:r>
+              <a:rPr lang="en-US" sz="2400" dirty="0">
+                <a:latin typeface="Garamond" panose="02020404030301010803" pitchFamily="18" charset="0"/>
+              </a:rPr>
+              <a:t>A message is in sequence if:</a:t>
+            </a:r>
+          </a:p>
+          <a:p>
+            <a:pPr lvl="1"/>
+            <a:r>
+              <a:rPr lang="en-US" sz="2000" dirty="0">
+                <a:latin typeface="Garamond" panose="02020404030301010803" pitchFamily="18" charset="0"/>
+              </a:rPr>
+              <a:t>– </a:t>
+            </a:r>
+            <a:r>
+              <a:rPr lang="en-US" sz="2000" dirty="0" err="1">
+                <a:latin typeface="Garamond" panose="02020404030301010803" pitchFamily="18" charset="0"/>
+              </a:rPr>
+              <a:t>ts</a:t>
+            </a:r>
+            <a:r>
+              <a:rPr lang="en-US" sz="2000" dirty="0">
+                <a:latin typeface="Garamond" panose="02020404030301010803" pitchFamily="18" charset="0"/>
+              </a:rPr>
+              <a:t>(r)[j] = </a:t>
+            </a:r>
+            <a:r>
+              <a:rPr lang="en-US" sz="2000" dirty="0" err="1">
+                <a:latin typeface="Garamond" panose="02020404030301010803" pitchFamily="18" charset="0"/>
+              </a:rPr>
+              <a:t>Vk</a:t>
+            </a:r>
+            <a:r>
+              <a:rPr lang="en-US" sz="2000" dirty="0">
+                <a:latin typeface="Garamond" panose="02020404030301010803" pitchFamily="18" charset="0"/>
+              </a:rPr>
+              <a:t>[j]+1	</a:t>
+            </a:r>
+          </a:p>
+          <a:p>
+            <a:pPr lvl="1"/>
+            <a:r>
+              <a:rPr lang="en-US" sz="2000" dirty="0">
+                <a:latin typeface="Garamond" panose="02020404030301010803" pitchFamily="18" charset="0"/>
+              </a:rPr>
+              <a:t>– </a:t>
+            </a:r>
+            <a:r>
+              <a:rPr lang="en-US" sz="2000" dirty="0" err="1">
+                <a:latin typeface="Garamond" panose="02020404030301010803" pitchFamily="18" charset="0"/>
+              </a:rPr>
+              <a:t>ts</a:t>
+            </a:r>
+            <a:r>
+              <a:rPr lang="en-US" sz="2000" dirty="0">
+                <a:latin typeface="Garamond" panose="02020404030301010803" pitchFamily="18" charset="0"/>
+              </a:rPr>
+              <a:t>(r)[</a:t>
+            </a:r>
+            <a:r>
+              <a:rPr lang="en-US" sz="2000" dirty="0" err="1">
+                <a:latin typeface="Garamond" panose="02020404030301010803" pitchFamily="18" charset="0"/>
+              </a:rPr>
+              <a:t>i</a:t>
+            </a:r>
+            <a:r>
+              <a:rPr lang="en-US" sz="2000" dirty="0">
+                <a:latin typeface="Garamond" panose="02020404030301010803" pitchFamily="18" charset="0"/>
+              </a:rPr>
+              <a:t>] ≤ </a:t>
+            </a:r>
+            <a:r>
+              <a:rPr lang="en-US" sz="2000" dirty="0" err="1">
+                <a:latin typeface="Garamond" panose="02020404030301010803" pitchFamily="18" charset="0"/>
+              </a:rPr>
+              <a:t>Vk</a:t>
+            </a:r>
+            <a:r>
+              <a:rPr lang="en-US" sz="2000" dirty="0">
+                <a:latin typeface="Garamond" panose="02020404030301010803" pitchFamily="18" charset="0"/>
+              </a:rPr>
+              <a:t>[</a:t>
+            </a:r>
+            <a:r>
+              <a:rPr lang="en-US" sz="2000" dirty="0" err="1">
+                <a:latin typeface="Garamond" panose="02020404030301010803" pitchFamily="18" charset="0"/>
+              </a:rPr>
+              <a:t>i</a:t>
+            </a:r>
+            <a:r>
+              <a:rPr lang="en-US" sz="2000" dirty="0">
+                <a:latin typeface="Garamond" panose="02020404030301010803" pitchFamily="18" charset="0"/>
+              </a:rPr>
+              <a:t>] for all </a:t>
+            </a:r>
+            <a:r>
+              <a:rPr lang="en-US" sz="2000" dirty="0" err="1">
+                <a:latin typeface="Garamond" panose="02020404030301010803" pitchFamily="18" charset="0"/>
+              </a:rPr>
+              <a:t>i</a:t>
+            </a:r>
+            <a:r>
+              <a:rPr lang="en-US" sz="2000" dirty="0">
+                <a:latin typeface="Garamond" panose="02020404030301010803" pitchFamily="18" charset="0"/>
+              </a:rPr>
+              <a:t> ≠ j	</a:t>
+            </a:r>
+          </a:p>
+          <a:p>
+            <a:r>
+              <a:rPr lang="en-US" sz="2400" dirty="0">
+                <a:latin typeface="Garamond" panose="02020404030301010803" pitchFamily="18" charset="0"/>
+              </a:rPr>
+              <a:t>A server will perform a write only when it receive all the acks from the other servers. And the consistency is assured because every server processes only the messages in sequence and ignores the message “from the future”. </a:t>
+            </a:r>
+          </a:p>
+          <a:p>
+            <a:pPr marL="0" indent="0">
+              <a:buNone/>
+            </a:pPr>
+            <a:endParaRPr lang="en-US" sz="2400" dirty="0">
+              <a:latin typeface="Garamond" panose="02020404030301010803" pitchFamily="18" charset="0"/>
+            </a:endParaRPr>
+          </a:p>
+        </p:txBody>
+      </p:sp>
+    </p:spTree>
+    <p:extLst>
+      <p:ext uri="{BB962C8B-B14F-4D97-AF65-F5344CB8AC3E}">
+        <p14:creationId xmlns:p14="http://schemas.microsoft.com/office/powerpoint/2010/main" val="3840044019"/>
       </p:ext>
     </p:extLst>
   </p:cSld>
